--- a/paper/figures/strategy_perf_annotated.pptx
+++ b/paper/figures/strategy_perf_annotated.pptx
@@ -3219,6 +3219,145 @@
           </p:spPr>
         </p:pic>
       </p:grpSp>
+      <p:sp>
+        <p:nvSpPr>
+          <p:cNvPr id="18" name="TextBox 17"/>
+          <p:cNvSpPr txBox="1"/>
+          <p:nvPr/>
+        </p:nvSpPr>
+        <p:spPr>
+          <a:xfrm>
+            <a:off x="651290" y="4529393"/>
+            <a:ext cx="1436612" cy="784830"/>
+          </a:xfrm>
+          <a:prstGeom prst="rect">
+            <a:avLst/>
+          </a:prstGeom>
+          <a:solidFill>
+            <a:schemeClr val="bg1"/>
+          </a:solidFill>
+        </p:spPr>
+        <p:txBody>
+          <a:bodyPr wrap="none" rtlCol="0">
+            <a:spAutoFit/>
+          </a:bodyPr>
+          <a:lstStyle/>
+          <a:p>
+            <a:endParaRPr lang="en-US" sz="900" dirty="0" smtClean="0">
+              <a:latin typeface="DejaVu Sans" panose="020B0603030804020204" pitchFamily="34" charset="0"/>
+              <a:ea typeface="DejaVu Sans" panose="020B0603030804020204" pitchFamily="34" charset="0"/>
+              <a:cs typeface="DejaVu Sans" panose="020B0603030804020204" pitchFamily="34" charset="0"/>
+            </a:endParaRPr>
+          </a:p>
+          <a:p>
+            <a:r>
+              <a:rPr lang="en-US" sz="900" dirty="0" smtClean="0">
+                <a:latin typeface="DejaVu Sans" panose="020B0603030804020204" pitchFamily="34" charset="0"/>
+                <a:ea typeface="DejaVu Sans" panose="020B0603030804020204" pitchFamily="34" charset="0"/>
+                <a:cs typeface="DejaVu Sans" panose="020B0603030804020204" pitchFamily="34" charset="0"/>
+              </a:rPr>
+              <a:t>Landing method:</a:t>
+            </a:r>
+          </a:p>
+          <a:p>
+            <a:r>
+              <a:rPr lang="en-US" sz="900" dirty="0" err="1" smtClean="0">
+                <a:latin typeface="DejaVu Sans" panose="020B0603030804020204" pitchFamily="34" charset="0"/>
+                <a:ea typeface="DejaVu Sans" panose="020B0603030804020204" pitchFamily="34" charset="0"/>
+                <a:cs typeface="DejaVu Sans" panose="020B0603030804020204" pitchFamily="34" charset="0"/>
+              </a:rPr>
+              <a:t>Recov</a:t>
+            </a:r>
+            <a:r>
+              <a:rPr lang="en-US" sz="900" dirty="0" smtClean="0">
+                <a:latin typeface="DejaVu Sans" panose="020B0603030804020204" pitchFamily="34" charset="0"/>
+                <a:ea typeface="DejaVu Sans" panose="020B0603030804020204" pitchFamily="34" charset="0"/>
+                <a:cs typeface="DejaVu Sans" panose="020B0603030804020204" pitchFamily="34" charset="0"/>
+              </a:rPr>
+              <a:t>. prop. method:</a:t>
+            </a:r>
+          </a:p>
+          <a:p>
+            <a:r>
+              <a:rPr lang="en-US" sz="900" dirty="0" smtClean="0">
+                <a:latin typeface="DejaVu Sans" panose="020B0603030804020204" pitchFamily="34" charset="0"/>
+                <a:ea typeface="DejaVu Sans" panose="020B0603030804020204" pitchFamily="34" charset="0"/>
+                <a:cs typeface="DejaVu Sans" panose="020B0603030804020204" pitchFamily="34" charset="0"/>
+              </a:rPr>
+              <a:t>Portion </a:t>
+            </a:r>
+            <a:r>
+              <a:rPr lang="en-US" sz="900" dirty="0" err="1" smtClean="0">
+                <a:latin typeface="DejaVu Sans" panose="020B0603030804020204" pitchFamily="34" charset="0"/>
+                <a:ea typeface="DejaVu Sans" panose="020B0603030804020204" pitchFamily="34" charset="0"/>
+                <a:cs typeface="DejaVu Sans" panose="020B0603030804020204" pitchFamily="34" charset="0"/>
+              </a:rPr>
+              <a:t>recov’d</a:t>
+            </a:r>
+            <a:r>
+              <a:rPr lang="en-US" sz="900" dirty="0" smtClean="0">
+                <a:latin typeface="DejaVu Sans" panose="020B0603030804020204" pitchFamily="34" charset="0"/>
+                <a:ea typeface="DejaVu Sans" panose="020B0603030804020204" pitchFamily="34" charset="0"/>
+                <a:cs typeface="DejaVu Sans" panose="020B0603030804020204" pitchFamily="34" charset="0"/>
+              </a:rPr>
+              <a:t>:</a:t>
+            </a:r>
+          </a:p>
+          <a:p>
+            <a:endParaRPr lang="en-US" sz="900" dirty="0">
+              <a:latin typeface="DejaVu Sans" panose="020B0603030804020204" pitchFamily="34" charset="0"/>
+              <a:ea typeface="DejaVu Sans" panose="020B0603030804020204" pitchFamily="34" charset="0"/>
+              <a:cs typeface="DejaVu Sans" panose="020B0603030804020204" pitchFamily="34" charset="0"/>
+            </a:endParaRPr>
+          </a:p>
+        </p:txBody>
+      </p:sp>
+      <p:sp>
+        <p:nvSpPr>
+          <p:cNvPr id="20" name="TextBox 19"/>
+          <p:cNvSpPr txBox="1"/>
+          <p:nvPr/>
+        </p:nvSpPr>
+        <p:spPr>
+          <a:xfrm>
+            <a:off x="947458" y="4267685"/>
+            <a:ext cx="1015021" cy="261610"/>
+          </a:xfrm>
+          <a:prstGeom prst="rect">
+            <a:avLst/>
+          </a:prstGeom>
+          <a:noFill/>
+        </p:spPr>
+        <p:txBody>
+          <a:bodyPr wrap="none" rtlCol="0">
+            <a:spAutoFit/>
+          </a:bodyPr>
+          <a:lstStyle/>
+          <a:p>
+            <a:r>
+              <a:rPr lang="en-US" sz="1100" dirty="0">
+                <a:latin typeface="DejaVu Sans" panose="020B0603030804020204" pitchFamily="34" charset="0"/>
+                <a:ea typeface="DejaVu Sans" panose="020B0603030804020204" pitchFamily="34" charset="0"/>
+                <a:cs typeface="DejaVu Sans" panose="020B0603030804020204" pitchFamily="34" charset="0"/>
+              </a:rPr>
+              <a:t>E</a:t>
+            </a:r>
+            <a:r>
+              <a:rPr lang="en-US" sz="1100" dirty="0" smtClean="0">
+                <a:latin typeface="DejaVu Sans" panose="020B0603030804020204" pitchFamily="34" charset="0"/>
+                <a:ea typeface="DejaVu Sans" panose="020B0603030804020204" pitchFamily="34" charset="0"/>
+                <a:cs typeface="DejaVu Sans" panose="020B0603030804020204" pitchFamily="34" charset="0"/>
+              </a:rPr>
+              <a:t>xpendable</a:t>
+            </a:r>
+            <a:endParaRPr lang="en-US" sz="1100" dirty="0">
+              <a:latin typeface="DejaVu Sans" panose="020B0603030804020204" pitchFamily="34" charset="0"/>
+              <a:ea typeface="DejaVu Sans" panose="020B0603030804020204" pitchFamily="34" charset="0"/>
+              <a:cs typeface="DejaVu Sans" panose="020B0603030804020204" pitchFamily="34" charset="0"/>
+            </a:endParaRPr>
+          </a:p>
+        </p:txBody>
+      </p:sp>
     </p:spTree>
     <p:extLst>
       <p:ext uri="{BB962C8B-B14F-4D97-AF65-F5344CB8AC3E}">
@@ -3497,6 +3636,145 @@
           </p:spPr>
         </p:pic>
       </p:grpSp>
+      <p:sp>
+        <p:nvSpPr>
+          <p:cNvPr id="14" name="TextBox 13"/>
+          <p:cNvSpPr txBox="1"/>
+          <p:nvPr/>
+        </p:nvSpPr>
+        <p:spPr>
+          <a:xfrm>
+            <a:off x="530640" y="4529393"/>
+            <a:ext cx="1436612" cy="784830"/>
+          </a:xfrm>
+          <a:prstGeom prst="rect">
+            <a:avLst/>
+          </a:prstGeom>
+          <a:solidFill>
+            <a:schemeClr val="bg1"/>
+          </a:solidFill>
+        </p:spPr>
+        <p:txBody>
+          <a:bodyPr wrap="none" rtlCol="0">
+            <a:spAutoFit/>
+          </a:bodyPr>
+          <a:lstStyle/>
+          <a:p>
+            <a:endParaRPr lang="en-US" sz="900" dirty="0" smtClean="0">
+              <a:latin typeface="DejaVu Sans" panose="020B0603030804020204" pitchFamily="34" charset="0"/>
+              <a:ea typeface="DejaVu Sans" panose="020B0603030804020204" pitchFamily="34" charset="0"/>
+              <a:cs typeface="DejaVu Sans" panose="020B0603030804020204" pitchFamily="34" charset="0"/>
+            </a:endParaRPr>
+          </a:p>
+          <a:p>
+            <a:r>
+              <a:rPr lang="en-US" sz="900" dirty="0" smtClean="0">
+                <a:latin typeface="DejaVu Sans" panose="020B0603030804020204" pitchFamily="34" charset="0"/>
+                <a:ea typeface="DejaVu Sans" panose="020B0603030804020204" pitchFamily="34" charset="0"/>
+                <a:cs typeface="DejaVu Sans" panose="020B0603030804020204" pitchFamily="34" charset="0"/>
+              </a:rPr>
+              <a:t>Landing method:</a:t>
+            </a:r>
+          </a:p>
+          <a:p>
+            <a:r>
+              <a:rPr lang="en-US" sz="900" dirty="0" err="1" smtClean="0">
+                <a:latin typeface="DejaVu Sans" panose="020B0603030804020204" pitchFamily="34" charset="0"/>
+                <a:ea typeface="DejaVu Sans" panose="020B0603030804020204" pitchFamily="34" charset="0"/>
+                <a:cs typeface="DejaVu Sans" panose="020B0603030804020204" pitchFamily="34" charset="0"/>
+              </a:rPr>
+              <a:t>Recov</a:t>
+            </a:r>
+            <a:r>
+              <a:rPr lang="en-US" sz="900" dirty="0" smtClean="0">
+                <a:latin typeface="DejaVu Sans" panose="020B0603030804020204" pitchFamily="34" charset="0"/>
+                <a:ea typeface="DejaVu Sans" panose="020B0603030804020204" pitchFamily="34" charset="0"/>
+                <a:cs typeface="DejaVu Sans" panose="020B0603030804020204" pitchFamily="34" charset="0"/>
+              </a:rPr>
+              <a:t>. prop. method:</a:t>
+            </a:r>
+          </a:p>
+          <a:p>
+            <a:r>
+              <a:rPr lang="en-US" sz="900" dirty="0" smtClean="0">
+                <a:latin typeface="DejaVu Sans" panose="020B0603030804020204" pitchFamily="34" charset="0"/>
+                <a:ea typeface="DejaVu Sans" panose="020B0603030804020204" pitchFamily="34" charset="0"/>
+                <a:cs typeface="DejaVu Sans" panose="020B0603030804020204" pitchFamily="34" charset="0"/>
+              </a:rPr>
+              <a:t>Portion </a:t>
+            </a:r>
+            <a:r>
+              <a:rPr lang="en-US" sz="900" dirty="0" err="1" smtClean="0">
+                <a:latin typeface="DejaVu Sans" panose="020B0603030804020204" pitchFamily="34" charset="0"/>
+                <a:ea typeface="DejaVu Sans" panose="020B0603030804020204" pitchFamily="34" charset="0"/>
+                <a:cs typeface="DejaVu Sans" panose="020B0603030804020204" pitchFamily="34" charset="0"/>
+              </a:rPr>
+              <a:t>recov’d</a:t>
+            </a:r>
+            <a:r>
+              <a:rPr lang="en-US" sz="900" dirty="0" smtClean="0">
+                <a:latin typeface="DejaVu Sans" panose="020B0603030804020204" pitchFamily="34" charset="0"/>
+                <a:ea typeface="DejaVu Sans" panose="020B0603030804020204" pitchFamily="34" charset="0"/>
+                <a:cs typeface="DejaVu Sans" panose="020B0603030804020204" pitchFamily="34" charset="0"/>
+              </a:rPr>
+              <a:t>:</a:t>
+            </a:r>
+          </a:p>
+          <a:p>
+            <a:endParaRPr lang="en-US" sz="900" dirty="0">
+              <a:latin typeface="DejaVu Sans" panose="020B0603030804020204" pitchFamily="34" charset="0"/>
+              <a:ea typeface="DejaVu Sans" panose="020B0603030804020204" pitchFamily="34" charset="0"/>
+              <a:cs typeface="DejaVu Sans" panose="020B0603030804020204" pitchFamily="34" charset="0"/>
+            </a:endParaRPr>
+          </a:p>
+        </p:txBody>
+      </p:sp>
+      <p:sp>
+        <p:nvSpPr>
+          <p:cNvPr id="15" name="TextBox 14"/>
+          <p:cNvSpPr txBox="1"/>
+          <p:nvPr/>
+        </p:nvSpPr>
+        <p:spPr>
+          <a:xfrm>
+            <a:off x="826808" y="4267685"/>
+            <a:ext cx="1015021" cy="261610"/>
+          </a:xfrm>
+          <a:prstGeom prst="rect">
+            <a:avLst/>
+          </a:prstGeom>
+          <a:noFill/>
+        </p:spPr>
+        <p:txBody>
+          <a:bodyPr wrap="none" rtlCol="0">
+            <a:spAutoFit/>
+          </a:bodyPr>
+          <a:lstStyle/>
+          <a:p>
+            <a:r>
+              <a:rPr lang="en-US" sz="1100" dirty="0">
+                <a:latin typeface="DejaVu Sans" panose="020B0603030804020204" pitchFamily="34" charset="0"/>
+                <a:ea typeface="DejaVu Sans" panose="020B0603030804020204" pitchFamily="34" charset="0"/>
+                <a:cs typeface="DejaVu Sans" panose="020B0603030804020204" pitchFamily="34" charset="0"/>
+              </a:rPr>
+              <a:t>E</a:t>
+            </a:r>
+            <a:r>
+              <a:rPr lang="en-US" sz="1100" dirty="0" smtClean="0">
+                <a:latin typeface="DejaVu Sans" panose="020B0603030804020204" pitchFamily="34" charset="0"/>
+                <a:ea typeface="DejaVu Sans" panose="020B0603030804020204" pitchFamily="34" charset="0"/>
+                <a:cs typeface="DejaVu Sans" panose="020B0603030804020204" pitchFamily="34" charset="0"/>
+              </a:rPr>
+              <a:t>xpendable</a:t>
+            </a:r>
+            <a:endParaRPr lang="en-US" sz="1100" dirty="0">
+              <a:latin typeface="DejaVu Sans" panose="020B0603030804020204" pitchFamily="34" charset="0"/>
+              <a:ea typeface="DejaVu Sans" panose="020B0603030804020204" pitchFamily="34" charset="0"/>
+              <a:cs typeface="DejaVu Sans" panose="020B0603030804020204" pitchFamily="34" charset="0"/>
+            </a:endParaRPr>
+          </a:p>
+        </p:txBody>
+      </p:sp>
     </p:spTree>
     <p:extLst>
       <p:ext uri="{BB962C8B-B14F-4D97-AF65-F5344CB8AC3E}">
@@ -3775,6 +4053,145 @@
           </p:spPr>
         </p:pic>
       </p:grpSp>
+      <p:sp>
+        <p:nvSpPr>
+          <p:cNvPr id="13" name="TextBox 12"/>
+          <p:cNvSpPr txBox="1"/>
+          <p:nvPr/>
+        </p:nvSpPr>
+        <p:spPr>
+          <a:xfrm>
+            <a:off x="651290" y="4529393"/>
+            <a:ext cx="1436612" cy="784830"/>
+          </a:xfrm>
+          <a:prstGeom prst="rect">
+            <a:avLst/>
+          </a:prstGeom>
+          <a:solidFill>
+            <a:schemeClr val="bg1"/>
+          </a:solidFill>
+        </p:spPr>
+        <p:txBody>
+          <a:bodyPr wrap="none" rtlCol="0">
+            <a:spAutoFit/>
+          </a:bodyPr>
+          <a:lstStyle/>
+          <a:p>
+            <a:endParaRPr lang="en-US" sz="900" dirty="0" smtClean="0">
+              <a:latin typeface="DejaVu Sans" panose="020B0603030804020204" pitchFamily="34" charset="0"/>
+              <a:ea typeface="DejaVu Sans" panose="020B0603030804020204" pitchFamily="34" charset="0"/>
+              <a:cs typeface="DejaVu Sans" panose="020B0603030804020204" pitchFamily="34" charset="0"/>
+            </a:endParaRPr>
+          </a:p>
+          <a:p>
+            <a:r>
+              <a:rPr lang="en-US" sz="900" dirty="0" smtClean="0">
+                <a:latin typeface="DejaVu Sans" panose="020B0603030804020204" pitchFamily="34" charset="0"/>
+                <a:ea typeface="DejaVu Sans" panose="020B0603030804020204" pitchFamily="34" charset="0"/>
+                <a:cs typeface="DejaVu Sans" panose="020B0603030804020204" pitchFamily="34" charset="0"/>
+              </a:rPr>
+              <a:t>Landing method:</a:t>
+            </a:r>
+          </a:p>
+          <a:p>
+            <a:r>
+              <a:rPr lang="en-US" sz="900" dirty="0" err="1" smtClean="0">
+                <a:latin typeface="DejaVu Sans" panose="020B0603030804020204" pitchFamily="34" charset="0"/>
+                <a:ea typeface="DejaVu Sans" panose="020B0603030804020204" pitchFamily="34" charset="0"/>
+                <a:cs typeface="DejaVu Sans" panose="020B0603030804020204" pitchFamily="34" charset="0"/>
+              </a:rPr>
+              <a:t>Recov</a:t>
+            </a:r>
+            <a:r>
+              <a:rPr lang="en-US" sz="900" dirty="0" smtClean="0">
+                <a:latin typeface="DejaVu Sans" panose="020B0603030804020204" pitchFamily="34" charset="0"/>
+                <a:ea typeface="DejaVu Sans" panose="020B0603030804020204" pitchFamily="34" charset="0"/>
+                <a:cs typeface="DejaVu Sans" panose="020B0603030804020204" pitchFamily="34" charset="0"/>
+              </a:rPr>
+              <a:t>. prop. method:</a:t>
+            </a:r>
+          </a:p>
+          <a:p>
+            <a:r>
+              <a:rPr lang="en-US" sz="900" dirty="0" smtClean="0">
+                <a:latin typeface="DejaVu Sans" panose="020B0603030804020204" pitchFamily="34" charset="0"/>
+                <a:ea typeface="DejaVu Sans" panose="020B0603030804020204" pitchFamily="34" charset="0"/>
+                <a:cs typeface="DejaVu Sans" panose="020B0603030804020204" pitchFamily="34" charset="0"/>
+              </a:rPr>
+              <a:t>Portion </a:t>
+            </a:r>
+            <a:r>
+              <a:rPr lang="en-US" sz="900" dirty="0" err="1" smtClean="0">
+                <a:latin typeface="DejaVu Sans" panose="020B0603030804020204" pitchFamily="34" charset="0"/>
+                <a:ea typeface="DejaVu Sans" panose="020B0603030804020204" pitchFamily="34" charset="0"/>
+                <a:cs typeface="DejaVu Sans" panose="020B0603030804020204" pitchFamily="34" charset="0"/>
+              </a:rPr>
+              <a:t>recov’d</a:t>
+            </a:r>
+            <a:r>
+              <a:rPr lang="en-US" sz="900" dirty="0" smtClean="0">
+                <a:latin typeface="DejaVu Sans" panose="020B0603030804020204" pitchFamily="34" charset="0"/>
+                <a:ea typeface="DejaVu Sans" panose="020B0603030804020204" pitchFamily="34" charset="0"/>
+                <a:cs typeface="DejaVu Sans" panose="020B0603030804020204" pitchFamily="34" charset="0"/>
+              </a:rPr>
+              <a:t>:</a:t>
+            </a:r>
+          </a:p>
+          <a:p>
+            <a:endParaRPr lang="en-US" sz="900" dirty="0">
+              <a:latin typeface="DejaVu Sans" panose="020B0603030804020204" pitchFamily="34" charset="0"/>
+              <a:ea typeface="DejaVu Sans" panose="020B0603030804020204" pitchFamily="34" charset="0"/>
+              <a:cs typeface="DejaVu Sans" panose="020B0603030804020204" pitchFamily="34" charset="0"/>
+            </a:endParaRPr>
+          </a:p>
+        </p:txBody>
+      </p:sp>
+      <p:sp>
+        <p:nvSpPr>
+          <p:cNvPr id="14" name="TextBox 13"/>
+          <p:cNvSpPr txBox="1"/>
+          <p:nvPr/>
+        </p:nvSpPr>
+        <p:spPr>
+          <a:xfrm>
+            <a:off x="947458" y="4267685"/>
+            <a:ext cx="1015021" cy="261610"/>
+          </a:xfrm>
+          <a:prstGeom prst="rect">
+            <a:avLst/>
+          </a:prstGeom>
+          <a:noFill/>
+        </p:spPr>
+        <p:txBody>
+          <a:bodyPr wrap="none" rtlCol="0">
+            <a:spAutoFit/>
+          </a:bodyPr>
+          <a:lstStyle/>
+          <a:p>
+            <a:r>
+              <a:rPr lang="en-US" sz="1100" dirty="0">
+                <a:latin typeface="DejaVu Sans" panose="020B0603030804020204" pitchFamily="34" charset="0"/>
+                <a:ea typeface="DejaVu Sans" panose="020B0603030804020204" pitchFamily="34" charset="0"/>
+                <a:cs typeface="DejaVu Sans" panose="020B0603030804020204" pitchFamily="34" charset="0"/>
+              </a:rPr>
+              <a:t>E</a:t>
+            </a:r>
+            <a:r>
+              <a:rPr lang="en-US" sz="1100" dirty="0" smtClean="0">
+                <a:latin typeface="DejaVu Sans" panose="020B0603030804020204" pitchFamily="34" charset="0"/>
+                <a:ea typeface="DejaVu Sans" panose="020B0603030804020204" pitchFamily="34" charset="0"/>
+                <a:cs typeface="DejaVu Sans" panose="020B0603030804020204" pitchFamily="34" charset="0"/>
+              </a:rPr>
+              <a:t>xpendable</a:t>
+            </a:r>
+            <a:endParaRPr lang="en-US" sz="1100" dirty="0">
+              <a:latin typeface="DejaVu Sans" panose="020B0603030804020204" pitchFamily="34" charset="0"/>
+              <a:ea typeface="DejaVu Sans" panose="020B0603030804020204" pitchFamily="34" charset="0"/>
+              <a:cs typeface="DejaVu Sans" panose="020B0603030804020204" pitchFamily="34" charset="0"/>
+            </a:endParaRPr>
+          </a:p>
+        </p:txBody>
+      </p:sp>
     </p:spTree>
     <p:extLst>
       <p:ext uri="{BB962C8B-B14F-4D97-AF65-F5344CB8AC3E}">
@@ -4053,6 +4470,145 @@
           </p:spPr>
         </p:pic>
       </p:grpSp>
+      <p:sp>
+        <p:nvSpPr>
+          <p:cNvPr id="14" name="TextBox 13"/>
+          <p:cNvSpPr txBox="1"/>
+          <p:nvPr/>
+        </p:nvSpPr>
+        <p:spPr>
+          <a:xfrm>
+            <a:off x="651290" y="4529393"/>
+            <a:ext cx="1436612" cy="784830"/>
+          </a:xfrm>
+          <a:prstGeom prst="rect">
+            <a:avLst/>
+          </a:prstGeom>
+          <a:solidFill>
+            <a:schemeClr val="bg1"/>
+          </a:solidFill>
+        </p:spPr>
+        <p:txBody>
+          <a:bodyPr wrap="none" rtlCol="0">
+            <a:spAutoFit/>
+          </a:bodyPr>
+          <a:lstStyle/>
+          <a:p>
+            <a:endParaRPr lang="en-US" sz="900" dirty="0" smtClean="0">
+              <a:latin typeface="DejaVu Sans" panose="020B0603030804020204" pitchFamily="34" charset="0"/>
+              <a:ea typeface="DejaVu Sans" panose="020B0603030804020204" pitchFamily="34" charset="0"/>
+              <a:cs typeface="DejaVu Sans" panose="020B0603030804020204" pitchFamily="34" charset="0"/>
+            </a:endParaRPr>
+          </a:p>
+          <a:p>
+            <a:r>
+              <a:rPr lang="en-US" sz="900" dirty="0" smtClean="0">
+                <a:latin typeface="DejaVu Sans" panose="020B0603030804020204" pitchFamily="34" charset="0"/>
+                <a:ea typeface="DejaVu Sans" panose="020B0603030804020204" pitchFamily="34" charset="0"/>
+                <a:cs typeface="DejaVu Sans" panose="020B0603030804020204" pitchFamily="34" charset="0"/>
+              </a:rPr>
+              <a:t>Landing method:</a:t>
+            </a:r>
+          </a:p>
+          <a:p>
+            <a:r>
+              <a:rPr lang="en-US" sz="900" dirty="0" err="1" smtClean="0">
+                <a:latin typeface="DejaVu Sans" panose="020B0603030804020204" pitchFamily="34" charset="0"/>
+                <a:ea typeface="DejaVu Sans" panose="020B0603030804020204" pitchFamily="34" charset="0"/>
+                <a:cs typeface="DejaVu Sans" panose="020B0603030804020204" pitchFamily="34" charset="0"/>
+              </a:rPr>
+              <a:t>Recov</a:t>
+            </a:r>
+            <a:r>
+              <a:rPr lang="en-US" sz="900" dirty="0" smtClean="0">
+                <a:latin typeface="DejaVu Sans" panose="020B0603030804020204" pitchFamily="34" charset="0"/>
+                <a:ea typeface="DejaVu Sans" panose="020B0603030804020204" pitchFamily="34" charset="0"/>
+                <a:cs typeface="DejaVu Sans" panose="020B0603030804020204" pitchFamily="34" charset="0"/>
+              </a:rPr>
+              <a:t>. prop. method:</a:t>
+            </a:r>
+          </a:p>
+          <a:p>
+            <a:r>
+              <a:rPr lang="en-US" sz="900" dirty="0" smtClean="0">
+                <a:latin typeface="DejaVu Sans" panose="020B0603030804020204" pitchFamily="34" charset="0"/>
+                <a:ea typeface="DejaVu Sans" panose="020B0603030804020204" pitchFamily="34" charset="0"/>
+                <a:cs typeface="DejaVu Sans" panose="020B0603030804020204" pitchFamily="34" charset="0"/>
+              </a:rPr>
+              <a:t>Portion </a:t>
+            </a:r>
+            <a:r>
+              <a:rPr lang="en-US" sz="900" dirty="0" err="1" smtClean="0">
+                <a:latin typeface="DejaVu Sans" panose="020B0603030804020204" pitchFamily="34" charset="0"/>
+                <a:ea typeface="DejaVu Sans" panose="020B0603030804020204" pitchFamily="34" charset="0"/>
+                <a:cs typeface="DejaVu Sans" panose="020B0603030804020204" pitchFamily="34" charset="0"/>
+              </a:rPr>
+              <a:t>recov’d</a:t>
+            </a:r>
+            <a:r>
+              <a:rPr lang="en-US" sz="900" dirty="0" smtClean="0">
+                <a:latin typeface="DejaVu Sans" panose="020B0603030804020204" pitchFamily="34" charset="0"/>
+                <a:ea typeface="DejaVu Sans" panose="020B0603030804020204" pitchFamily="34" charset="0"/>
+                <a:cs typeface="DejaVu Sans" panose="020B0603030804020204" pitchFamily="34" charset="0"/>
+              </a:rPr>
+              <a:t>:</a:t>
+            </a:r>
+          </a:p>
+          <a:p>
+            <a:endParaRPr lang="en-US" sz="900" dirty="0">
+              <a:latin typeface="DejaVu Sans" panose="020B0603030804020204" pitchFamily="34" charset="0"/>
+              <a:ea typeface="DejaVu Sans" panose="020B0603030804020204" pitchFamily="34" charset="0"/>
+              <a:cs typeface="DejaVu Sans" panose="020B0603030804020204" pitchFamily="34" charset="0"/>
+            </a:endParaRPr>
+          </a:p>
+        </p:txBody>
+      </p:sp>
+      <p:sp>
+        <p:nvSpPr>
+          <p:cNvPr id="15" name="TextBox 14"/>
+          <p:cNvSpPr txBox="1"/>
+          <p:nvPr/>
+        </p:nvSpPr>
+        <p:spPr>
+          <a:xfrm>
+            <a:off x="947458" y="4267685"/>
+            <a:ext cx="1015021" cy="261610"/>
+          </a:xfrm>
+          <a:prstGeom prst="rect">
+            <a:avLst/>
+          </a:prstGeom>
+          <a:noFill/>
+        </p:spPr>
+        <p:txBody>
+          <a:bodyPr wrap="none" rtlCol="0">
+            <a:spAutoFit/>
+          </a:bodyPr>
+          <a:lstStyle/>
+          <a:p>
+            <a:r>
+              <a:rPr lang="en-US" sz="1100" dirty="0">
+                <a:latin typeface="DejaVu Sans" panose="020B0603030804020204" pitchFamily="34" charset="0"/>
+                <a:ea typeface="DejaVu Sans" panose="020B0603030804020204" pitchFamily="34" charset="0"/>
+                <a:cs typeface="DejaVu Sans" panose="020B0603030804020204" pitchFamily="34" charset="0"/>
+              </a:rPr>
+              <a:t>E</a:t>
+            </a:r>
+            <a:r>
+              <a:rPr lang="en-US" sz="1100" dirty="0" smtClean="0">
+                <a:latin typeface="DejaVu Sans" panose="020B0603030804020204" pitchFamily="34" charset="0"/>
+                <a:ea typeface="DejaVu Sans" panose="020B0603030804020204" pitchFamily="34" charset="0"/>
+                <a:cs typeface="DejaVu Sans" panose="020B0603030804020204" pitchFamily="34" charset="0"/>
+              </a:rPr>
+              <a:t>xpendable</a:t>
+            </a:r>
+            <a:endParaRPr lang="en-US" sz="1100" dirty="0">
+              <a:latin typeface="DejaVu Sans" panose="020B0603030804020204" pitchFamily="34" charset="0"/>
+              <a:ea typeface="DejaVu Sans" panose="020B0603030804020204" pitchFamily="34" charset="0"/>
+              <a:cs typeface="DejaVu Sans" panose="020B0603030804020204" pitchFamily="34" charset="0"/>
+            </a:endParaRPr>
+          </a:p>
+        </p:txBody>
+      </p:sp>
     </p:spTree>
     <p:extLst>
       <p:ext uri="{BB962C8B-B14F-4D97-AF65-F5344CB8AC3E}">

--- a/paper/figures/strategy_perf_annotated.pptx
+++ b/paper/figures/strategy_perf_annotated.pptx
@@ -107,6 +107,11 @@
       </a:defRPr>
     </a:lvl9pPr>
   </p:defaultTextStyle>
+  <p:extLst>
+    <p:ext uri="{EFAFB233-063F-42B5-8137-9DF3F51BA10A}">
+      <p15:sldGuideLst xmlns:p15="http://schemas.microsoft.com/office/powerpoint/2012/main"/>
+    </p:ext>
+  </p:extLst>
 </p:presentation>
 </file>
 
@@ -241,7 +246,7 @@
           <a:p>
             <a:fld id="{9F86D532-2D79-4052-BDC3-088705E07362}" type="datetimeFigureOut">
               <a:rPr lang="en-US" smtClean="0"/>
-              <a:t>9/12/2018</a:t>
+              <a:t>9/17/2018</a:t>
             </a:fld>
             <a:endParaRPr lang="en-US"/>
           </a:p>
@@ -411,7 +416,7 @@
           <a:p>
             <a:fld id="{9F86D532-2D79-4052-BDC3-088705E07362}" type="datetimeFigureOut">
               <a:rPr lang="en-US" smtClean="0"/>
-              <a:t>9/12/2018</a:t>
+              <a:t>9/17/2018</a:t>
             </a:fld>
             <a:endParaRPr lang="en-US"/>
           </a:p>
@@ -591,7 +596,7 @@
           <a:p>
             <a:fld id="{9F86D532-2D79-4052-BDC3-088705E07362}" type="datetimeFigureOut">
               <a:rPr lang="en-US" smtClean="0"/>
-              <a:t>9/12/2018</a:t>
+              <a:t>9/17/2018</a:t>
             </a:fld>
             <a:endParaRPr lang="en-US"/>
           </a:p>
@@ -761,7 +766,7 @@
           <a:p>
             <a:fld id="{9F86D532-2D79-4052-BDC3-088705E07362}" type="datetimeFigureOut">
               <a:rPr lang="en-US" smtClean="0"/>
-              <a:t>9/12/2018</a:t>
+              <a:t>9/17/2018</a:t>
             </a:fld>
             <a:endParaRPr lang="en-US"/>
           </a:p>
@@ -1007,7 +1012,7 @@
           <a:p>
             <a:fld id="{9F86D532-2D79-4052-BDC3-088705E07362}" type="datetimeFigureOut">
               <a:rPr lang="en-US" smtClean="0"/>
-              <a:t>9/12/2018</a:t>
+              <a:t>9/17/2018</a:t>
             </a:fld>
             <a:endParaRPr lang="en-US"/>
           </a:p>
@@ -1239,7 +1244,7 @@
           <a:p>
             <a:fld id="{9F86D532-2D79-4052-BDC3-088705E07362}" type="datetimeFigureOut">
               <a:rPr lang="en-US" smtClean="0"/>
-              <a:t>9/12/2018</a:t>
+              <a:t>9/17/2018</a:t>
             </a:fld>
             <a:endParaRPr lang="en-US"/>
           </a:p>
@@ -1606,7 +1611,7 @@
           <a:p>
             <a:fld id="{9F86D532-2D79-4052-BDC3-088705E07362}" type="datetimeFigureOut">
               <a:rPr lang="en-US" smtClean="0"/>
-              <a:t>9/12/2018</a:t>
+              <a:t>9/17/2018</a:t>
             </a:fld>
             <a:endParaRPr lang="en-US"/>
           </a:p>
@@ -1724,7 +1729,7 @@
           <a:p>
             <a:fld id="{9F86D532-2D79-4052-BDC3-088705E07362}" type="datetimeFigureOut">
               <a:rPr lang="en-US" smtClean="0"/>
-              <a:t>9/12/2018</a:t>
+              <a:t>9/17/2018</a:t>
             </a:fld>
             <a:endParaRPr lang="en-US"/>
           </a:p>
@@ -1819,7 +1824,7 @@
           <a:p>
             <a:fld id="{9F86D532-2D79-4052-BDC3-088705E07362}" type="datetimeFigureOut">
               <a:rPr lang="en-US" smtClean="0"/>
-              <a:t>9/12/2018</a:t>
+              <a:t>9/17/2018</a:t>
             </a:fld>
             <a:endParaRPr lang="en-US"/>
           </a:p>
@@ -2096,7 +2101,7 @@
           <a:p>
             <a:fld id="{9F86D532-2D79-4052-BDC3-088705E07362}" type="datetimeFigureOut">
               <a:rPr lang="en-US" smtClean="0"/>
-              <a:t>9/12/2018</a:t>
+              <a:t>9/17/2018</a:t>
             </a:fld>
             <a:endParaRPr lang="en-US"/>
           </a:p>
@@ -2353,7 +2358,7 @@
           <a:p>
             <a:fld id="{9F86D532-2D79-4052-BDC3-088705E07362}" type="datetimeFigureOut">
               <a:rPr lang="en-US" smtClean="0"/>
-              <a:t>9/12/2018</a:t>
+              <a:t>9/17/2018</a:t>
             </a:fld>
             <a:endParaRPr lang="en-US"/>
           </a:p>
@@ -2566,7 +2571,7 @@
           <a:p>
             <a:fld id="{9F86D532-2D79-4052-BDC3-088705E07362}" type="datetimeFigureOut">
               <a:rPr lang="en-US" smtClean="0"/>
-              <a:t>9/12/2018</a:t>
+              <a:t>9/17/2018</a:t>
             </a:fld>
             <a:endParaRPr lang="en-US"/>
           </a:p>
@@ -3644,7 +3649,7 @@
         </p:nvSpPr>
         <p:spPr>
           <a:xfrm>
-            <a:off x="530640" y="4529393"/>
+            <a:off x="479840" y="4529393"/>
             <a:ext cx="1436612" cy="784830"/>
           </a:xfrm>
           <a:prstGeom prst="rect">
@@ -4478,7 +4483,7 @@
         </p:nvSpPr>
         <p:spPr>
           <a:xfrm>
-            <a:off x="651290" y="4529393"/>
+            <a:off x="575090" y="4529393"/>
             <a:ext cx="1436612" cy="784830"/>
           </a:xfrm>
           <a:prstGeom prst="rect">

--- a/paper/figures/strategy_perf_annotated.pptx
+++ b/paper/figures/strategy_perf_annotated.pptx
@@ -246,7 +246,7 @@
           <a:p>
             <a:fld id="{9F86D532-2D79-4052-BDC3-088705E07362}" type="datetimeFigureOut">
               <a:rPr lang="en-US" smtClean="0"/>
-              <a:t>9/17/2018</a:t>
+              <a:t>9/26/2018</a:t>
             </a:fld>
             <a:endParaRPr lang="en-US"/>
           </a:p>
@@ -416,7 +416,7 @@
           <a:p>
             <a:fld id="{9F86D532-2D79-4052-BDC3-088705E07362}" type="datetimeFigureOut">
               <a:rPr lang="en-US" smtClean="0"/>
-              <a:t>9/17/2018</a:t>
+              <a:t>9/26/2018</a:t>
             </a:fld>
             <a:endParaRPr lang="en-US"/>
           </a:p>
@@ -596,7 +596,7 @@
           <a:p>
             <a:fld id="{9F86D532-2D79-4052-BDC3-088705E07362}" type="datetimeFigureOut">
               <a:rPr lang="en-US" smtClean="0"/>
-              <a:t>9/17/2018</a:t>
+              <a:t>9/26/2018</a:t>
             </a:fld>
             <a:endParaRPr lang="en-US"/>
           </a:p>
@@ -766,7 +766,7 @@
           <a:p>
             <a:fld id="{9F86D532-2D79-4052-BDC3-088705E07362}" type="datetimeFigureOut">
               <a:rPr lang="en-US" smtClean="0"/>
-              <a:t>9/17/2018</a:t>
+              <a:t>9/26/2018</a:t>
             </a:fld>
             <a:endParaRPr lang="en-US"/>
           </a:p>
@@ -1012,7 +1012,7 @@
           <a:p>
             <a:fld id="{9F86D532-2D79-4052-BDC3-088705E07362}" type="datetimeFigureOut">
               <a:rPr lang="en-US" smtClean="0"/>
-              <a:t>9/17/2018</a:t>
+              <a:t>9/26/2018</a:t>
             </a:fld>
             <a:endParaRPr lang="en-US"/>
           </a:p>
@@ -1244,7 +1244,7 @@
           <a:p>
             <a:fld id="{9F86D532-2D79-4052-BDC3-088705E07362}" type="datetimeFigureOut">
               <a:rPr lang="en-US" smtClean="0"/>
-              <a:t>9/17/2018</a:t>
+              <a:t>9/26/2018</a:t>
             </a:fld>
             <a:endParaRPr lang="en-US"/>
           </a:p>
@@ -1611,7 +1611,7 @@
           <a:p>
             <a:fld id="{9F86D532-2D79-4052-BDC3-088705E07362}" type="datetimeFigureOut">
               <a:rPr lang="en-US" smtClean="0"/>
-              <a:t>9/17/2018</a:t>
+              <a:t>9/26/2018</a:t>
             </a:fld>
             <a:endParaRPr lang="en-US"/>
           </a:p>
@@ -1729,7 +1729,7 @@
           <a:p>
             <a:fld id="{9F86D532-2D79-4052-BDC3-088705E07362}" type="datetimeFigureOut">
               <a:rPr lang="en-US" smtClean="0"/>
-              <a:t>9/17/2018</a:t>
+              <a:t>9/26/2018</a:t>
             </a:fld>
             <a:endParaRPr lang="en-US"/>
           </a:p>
@@ -1824,7 +1824,7 @@
           <a:p>
             <a:fld id="{9F86D532-2D79-4052-BDC3-088705E07362}" type="datetimeFigureOut">
               <a:rPr lang="en-US" smtClean="0"/>
-              <a:t>9/17/2018</a:t>
+              <a:t>9/26/2018</a:t>
             </a:fld>
             <a:endParaRPr lang="en-US"/>
           </a:p>
@@ -2101,7 +2101,7 @@
           <a:p>
             <a:fld id="{9F86D532-2D79-4052-BDC3-088705E07362}" type="datetimeFigureOut">
               <a:rPr lang="en-US" smtClean="0"/>
-              <a:t>9/17/2018</a:t>
+              <a:t>9/26/2018</a:t>
             </a:fld>
             <a:endParaRPr lang="en-US"/>
           </a:p>
@@ -2358,7 +2358,7 @@
           <a:p>
             <a:fld id="{9F86D532-2D79-4052-BDC3-088705E07362}" type="datetimeFigureOut">
               <a:rPr lang="en-US" smtClean="0"/>
-              <a:t>9/17/2018</a:t>
+              <a:t>9/26/2018</a:t>
             </a:fld>
             <a:endParaRPr lang="en-US"/>
           </a:p>
@@ -2571,7 +2571,7 @@
           <a:p>
             <a:fld id="{9F86D532-2D79-4052-BDC3-088705E07362}" type="datetimeFigureOut">
               <a:rPr lang="en-US" smtClean="0"/>
-              <a:t>9/17/2018</a:t>
+              <a:t>9/26/2018</a:t>
             </a:fld>
             <a:endParaRPr lang="en-US"/>
           </a:p>
@@ -2978,423 +2978,6 @@
       </p:grpSpPr>
       <p:pic>
         <p:nvPicPr>
-          <p:cNvPr id="5" name="Picture 4"/>
-          <p:cNvPicPr>
-            <a:picLocks noChangeAspect="1"/>
-          </p:cNvPicPr>
-          <p:nvPr/>
-        </p:nvPicPr>
-        <p:blipFill>
-          <a:blip r:embed="rId2">
-            <a:extLst>
-              <a:ext uri="{28A0092B-C50C-407E-A947-70E740481C1C}">
-                <a14:useLocalDpi xmlns:a14="http://schemas.microsoft.com/office/drawing/2010/main" val="0"/>
-              </a:ext>
-            </a:extLst>
-          </a:blip>
-          <a:stretch>
-            <a:fillRect/>
-          </a:stretch>
-        </p:blipFill>
-        <p:spPr>
-          <a:xfrm>
-            <a:off x="0" y="0"/>
-            <a:ext cx="9144000" cy="5486400"/>
-          </a:xfrm>
-          <a:prstGeom prst="rect">
-            <a:avLst/>
-          </a:prstGeom>
-        </p:spPr>
-      </p:pic>
-      <p:grpSp>
-        <p:nvGrpSpPr>
-          <p:cNvPr id="17" name="Group 16"/>
-          <p:cNvGrpSpPr/>
-          <p:nvPr/>
-        </p:nvGrpSpPr>
-        <p:grpSpPr>
-          <a:xfrm>
-            <a:off x="2152333" y="3413896"/>
-            <a:ext cx="6499227" cy="914400"/>
-            <a:chOff x="2152333" y="3413896"/>
-            <a:chExt cx="6499227" cy="914400"/>
-          </a:xfrm>
-        </p:grpSpPr>
-        <p:pic>
-          <p:nvPicPr>
-            <p:cNvPr id="6" name="Picture 5"/>
-            <p:cNvPicPr>
-              <a:picLocks noChangeAspect="1"/>
-            </p:cNvPicPr>
-            <p:nvPr/>
-          </p:nvPicPr>
-          <p:blipFill rotWithShape="1">
-            <a:blip r:embed="rId3">
-              <a:extLst>
-                <a:ext uri="{28A0092B-C50C-407E-A947-70E740481C1C}">
-                  <a14:useLocalDpi xmlns:a14="http://schemas.microsoft.com/office/drawing/2010/main" val="0"/>
-                </a:ext>
-              </a:extLst>
-            </a:blip>
-            <a:srcRect l="13516" t="85381" r="81354"/>
-            <a:stretch/>
-          </p:blipFill>
-          <p:spPr>
-            <a:xfrm>
-              <a:off x="2152333" y="3413896"/>
-              <a:ext cx="656342" cy="914400"/>
-            </a:xfrm>
-            <a:prstGeom prst="rect">
-              <a:avLst/>
-            </a:prstGeom>
-          </p:spPr>
-        </p:pic>
-        <p:pic>
-          <p:nvPicPr>
-            <p:cNvPr id="7" name="Picture 6"/>
-            <p:cNvPicPr>
-              <a:picLocks noChangeAspect="1"/>
-            </p:cNvPicPr>
-            <p:nvPr/>
-          </p:nvPicPr>
-          <p:blipFill rotWithShape="1">
-            <a:blip r:embed="rId3">
-              <a:extLst>
-                <a:ext uri="{28A0092B-C50C-407E-A947-70E740481C1C}">
-                  <a14:useLocalDpi xmlns:a14="http://schemas.microsoft.com/office/drawing/2010/main" val="0"/>
-                </a:ext>
-              </a:extLst>
-            </a:blip>
-            <a:srcRect l="62709" t="85381" r="31337" b="1655"/>
-            <a:stretch/>
-          </p:blipFill>
-          <p:spPr>
-            <a:xfrm>
-              <a:off x="4949008" y="3413896"/>
-              <a:ext cx="757699" cy="806450"/>
-            </a:xfrm>
-            <a:prstGeom prst="rect">
-              <a:avLst/>
-            </a:prstGeom>
-          </p:spPr>
-        </p:pic>
-        <p:pic>
-          <p:nvPicPr>
-            <p:cNvPr id="11" name="Picture 10"/>
-            <p:cNvPicPr>
-              <a:picLocks noChangeAspect="1"/>
-            </p:cNvPicPr>
-            <p:nvPr/>
-          </p:nvPicPr>
-          <p:blipFill rotWithShape="1">
-            <a:blip r:embed="rId3">
-              <a:extLst>
-                <a:ext uri="{28A0092B-C50C-407E-A947-70E740481C1C}">
-                  <a14:useLocalDpi xmlns:a14="http://schemas.microsoft.com/office/drawing/2010/main" val="0"/>
-                </a:ext>
-              </a:extLst>
-            </a:blip>
-            <a:srcRect l="69674" t="56699" r="24464" b="31075"/>
-            <a:stretch/>
-          </p:blipFill>
-          <p:spPr>
-            <a:xfrm>
-              <a:off x="6983367" y="3547324"/>
-              <a:ext cx="678132" cy="691271"/>
-            </a:xfrm>
-            <a:prstGeom prst="rect">
-              <a:avLst/>
-            </a:prstGeom>
-          </p:spPr>
-        </p:pic>
-        <p:pic>
-          <p:nvPicPr>
-            <p:cNvPr id="12" name="Picture 11"/>
-            <p:cNvPicPr>
-              <a:picLocks noChangeAspect="1"/>
-            </p:cNvPicPr>
-            <p:nvPr/>
-          </p:nvPicPr>
-          <p:blipFill rotWithShape="1">
-            <a:blip r:embed="rId3">
-              <a:extLst>
-                <a:ext uri="{28A0092B-C50C-407E-A947-70E740481C1C}">
-                  <a14:useLocalDpi xmlns:a14="http://schemas.microsoft.com/office/drawing/2010/main" val="0"/>
-                </a:ext>
-              </a:extLst>
-            </a:blip>
-            <a:srcRect l="92604" t="92284" r="1611" b="1655"/>
-            <a:stretch/>
-          </p:blipFill>
-          <p:spPr>
-            <a:xfrm>
-              <a:off x="3130549" y="3857031"/>
-              <a:ext cx="699937" cy="358489"/>
-            </a:xfrm>
-            <a:prstGeom prst="rect">
-              <a:avLst/>
-            </a:prstGeom>
-          </p:spPr>
-        </p:pic>
-        <p:pic>
-          <p:nvPicPr>
-            <p:cNvPr id="14" name="Picture 13"/>
-            <p:cNvPicPr>
-              <a:picLocks noChangeAspect="1"/>
-            </p:cNvPicPr>
-            <p:nvPr/>
-          </p:nvPicPr>
-          <p:blipFill rotWithShape="1">
-            <a:blip r:embed="rId3">
-              <a:extLst>
-                <a:ext uri="{28A0092B-C50C-407E-A947-70E740481C1C}">
-                  <a14:useLocalDpi xmlns:a14="http://schemas.microsoft.com/office/drawing/2010/main" val="0"/>
-                </a:ext>
-              </a:extLst>
-            </a:blip>
-            <a:srcRect l="92604" t="92284" r="1611" b="1655"/>
-            <a:stretch/>
-          </p:blipFill>
-          <p:spPr>
-            <a:xfrm>
-              <a:off x="4111347" y="3861857"/>
-              <a:ext cx="699937" cy="358489"/>
-            </a:xfrm>
-            <a:prstGeom prst="rect">
-              <a:avLst/>
-            </a:prstGeom>
-          </p:spPr>
-        </p:pic>
-        <p:pic>
-          <p:nvPicPr>
-            <p:cNvPr id="15" name="Picture 14"/>
-            <p:cNvPicPr>
-              <a:picLocks noChangeAspect="1"/>
-            </p:cNvPicPr>
-            <p:nvPr/>
-          </p:nvPicPr>
-          <p:blipFill rotWithShape="1">
-            <a:blip r:embed="rId3">
-              <a:extLst>
-                <a:ext uri="{28A0092B-C50C-407E-A947-70E740481C1C}">
-                  <a14:useLocalDpi xmlns:a14="http://schemas.microsoft.com/office/drawing/2010/main" val="0"/>
-                </a:ext>
-              </a:extLst>
-            </a:blip>
-            <a:srcRect l="92604" t="92284" r="1611" b="1655"/>
-            <a:stretch/>
-          </p:blipFill>
-          <p:spPr>
-            <a:xfrm>
-              <a:off x="5991695" y="3871096"/>
-              <a:ext cx="699937" cy="358489"/>
-            </a:xfrm>
-            <a:prstGeom prst="rect">
-              <a:avLst/>
-            </a:prstGeom>
-          </p:spPr>
-        </p:pic>
-        <p:pic>
-          <p:nvPicPr>
-            <p:cNvPr id="16" name="Picture 15"/>
-            <p:cNvPicPr>
-              <a:picLocks noChangeAspect="1"/>
-            </p:cNvPicPr>
-            <p:nvPr/>
-          </p:nvPicPr>
-          <p:blipFill rotWithShape="1">
-            <a:blip r:embed="rId3">
-              <a:extLst>
-                <a:ext uri="{28A0092B-C50C-407E-A947-70E740481C1C}">
-                  <a14:useLocalDpi xmlns:a14="http://schemas.microsoft.com/office/drawing/2010/main" val="0"/>
-                </a:ext>
-              </a:extLst>
-            </a:blip>
-            <a:srcRect l="69674" t="56699" r="24464" b="31075"/>
-            <a:stretch/>
-          </p:blipFill>
-          <p:spPr>
-            <a:xfrm>
-              <a:off x="7973428" y="3538314"/>
-              <a:ext cx="678132" cy="691271"/>
-            </a:xfrm>
-            <a:prstGeom prst="rect">
-              <a:avLst/>
-            </a:prstGeom>
-          </p:spPr>
-        </p:pic>
-      </p:grpSp>
-      <p:sp>
-        <p:nvSpPr>
-          <p:cNvPr id="18" name="TextBox 17"/>
-          <p:cNvSpPr txBox="1"/>
-          <p:nvPr/>
-        </p:nvSpPr>
-        <p:spPr>
-          <a:xfrm>
-            <a:off x="651290" y="4529393"/>
-            <a:ext cx="1436612" cy="784830"/>
-          </a:xfrm>
-          <a:prstGeom prst="rect">
-            <a:avLst/>
-          </a:prstGeom>
-          <a:solidFill>
-            <a:schemeClr val="bg1"/>
-          </a:solidFill>
-        </p:spPr>
-        <p:txBody>
-          <a:bodyPr wrap="none" rtlCol="0">
-            <a:spAutoFit/>
-          </a:bodyPr>
-          <a:lstStyle/>
-          <a:p>
-            <a:endParaRPr lang="en-US" sz="900" dirty="0" smtClean="0">
-              <a:latin typeface="DejaVu Sans" panose="020B0603030804020204" pitchFamily="34" charset="0"/>
-              <a:ea typeface="DejaVu Sans" panose="020B0603030804020204" pitchFamily="34" charset="0"/>
-              <a:cs typeface="DejaVu Sans" panose="020B0603030804020204" pitchFamily="34" charset="0"/>
-            </a:endParaRPr>
-          </a:p>
-          <a:p>
-            <a:r>
-              <a:rPr lang="en-US" sz="900" dirty="0" smtClean="0">
-                <a:latin typeface="DejaVu Sans" panose="020B0603030804020204" pitchFamily="34" charset="0"/>
-                <a:ea typeface="DejaVu Sans" panose="020B0603030804020204" pitchFamily="34" charset="0"/>
-                <a:cs typeface="DejaVu Sans" panose="020B0603030804020204" pitchFamily="34" charset="0"/>
-              </a:rPr>
-              <a:t>Landing method:</a:t>
-            </a:r>
-          </a:p>
-          <a:p>
-            <a:r>
-              <a:rPr lang="en-US" sz="900" dirty="0" err="1" smtClean="0">
-                <a:latin typeface="DejaVu Sans" panose="020B0603030804020204" pitchFamily="34" charset="0"/>
-                <a:ea typeface="DejaVu Sans" panose="020B0603030804020204" pitchFamily="34" charset="0"/>
-                <a:cs typeface="DejaVu Sans" panose="020B0603030804020204" pitchFamily="34" charset="0"/>
-              </a:rPr>
-              <a:t>Recov</a:t>
-            </a:r>
-            <a:r>
-              <a:rPr lang="en-US" sz="900" dirty="0" smtClean="0">
-                <a:latin typeface="DejaVu Sans" panose="020B0603030804020204" pitchFamily="34" charset="0"/>
-                <a:ea typeface="DejaVu Sans" panose="020B0603030804020204" pitchFamily="34" charset="0"/>
-                <a:cs typeface="DejaVu Sans" panose="020B0603030804020204" pitchFamily="34" charset="0"/>
-              </a:rPr>
-              <a:t>. prop. method:</a:t>
-            </a:r>
-          </a:p>
-          <a:p>
-            <a:r>
-              <a:rPr lang="en-US" sz="900" dirty="0" smtClean="0">
-                <a:latin typeface="DejaVu Sans" panose="020B0603030804020204" pitchFamily="34" charset="0"/>
-                <a:ea typeface="DejaVu Sans" panose="020B0603030804020204" pitchFamily="34" charset="0"/>
-                <a:cs typeface="DejaVu Sans" panose="020B0603030804020204" pitchFamily="34" charset="0"/>
-              </a:rPr>
-              <a:t>Portion </a:t>
-            </a:r>
-            <a:r>
-              <a:rPr lang="en-US" sz="900" dirty="0" err="1" smtClean="0">
-                <a:latin typeface="DejaVu Sans" panose="020B0603030804020204" pitchFamily="34" charset="0"/>
-                <a:ea typeface="DejaVu Sans" panose="020B0603030804020204" pitchFamily="34" charset="0"/>
-                <a:cs typeface="DejaVu Sans" panose="020B0603030804020204" pitchFamily="34" charset="0"/>
-              </a:rPr>
-              <a:t>recov’d</a:t>
-            </a:r>
-            <a:r>
-              <a:rPr lang="en-US" sz="900" dirty="0" smtClean="0">
-                <a:latin typeface="DejaVu Sans" panose="020B0603030804020204" pitchFamily="34" charset="0"/>
-                <a:ea typeface="DejaVu Sans" panose="020B0603030804020204" pitchFamily="34" charset="0"/>
-                <a:cs typeface="DejaVu Sans" panose="020B0603030804020204" pitchFamily="34" charset="0"/>
-              </a:rPr>
-              <a:t>:</a:t>
-            </a:r>
-          </a:p>
-          <a:p>
-            <a:endParaRPr lang="en-US" sz="900" dirty="0">
-              <a:latin typeface="DejaVu Sans" panose="020B0603030804020204" pitchFamily="34" charset="0"/>
-              <a:ea typeface="DejaVu Sans" panose="020B0603030804020204" pitchFamily="34" charset="0"/>
-              <a:cs typeface="DejaVu Sans" panose="020B0603030804020204" pitchFamily="34" charset="0"/>
-            </a:endParaRPr>
-          </a:p>
-        </p:txBody>
-      </p:sp>
-      <p:sp>
-        <p:nvSpPr>
-          <p:cNvPr id="20" name="TextBox 19"/>
-          <p:cNvSpPr txBox="1"/>
-          <p:nvPr/>
-        </p:nvSpPr>
-        <p:spPr>
-          <a:xfrm>
-            <a:off x="947458" y="4267685"/>
-            <a:ext cx="1015021" cy="261610"/>
-          </a:xfrm>
-          <a:prstGeom prst="rect">
-            <a:avLst/>
-          </a:prstGeom>
-          <a:noFill/>
-        </p:spPr>
-        <p:txBody>
-          <a:bodyPr wrap="none" rtlCol="0">
-            <a:spAutoFit/>
-          </a:bodyPr>
-          <a:lstStyle/>
-          <a:p>
-            <a:r>
-              <a:rPr lang="en-US" sz="1100" dirty="0">
-                <a:latin typeface="DejaVu Sans" panose="020B0603030804020204" pitchFamily="34" charset="0"/>
-                <a:ea typeface="DejaVu Sans" panose="020B0603030804020204" pitchFamily="34" charset="0"/>
-                <a:cs typeface="DejaVu Sans" panose="020B0603030804020204" pitchFamily="34" charset="0"/>
-              </a:rPr>
-              <a:t>E</a:t>
-            </a:r>
-            <a:r>
-              <a:rPr lang="en-US" sz="1100" dirty="0" smtClean="0">
-                <a:latin typeface="DejaVu Sans" panose="020B0603030804020204" pitchFamily="34" charset="0"/>
-                <a:ea typeface="DejaVu Sans" panose="020B0603030804020204" pitchFamily="34" charset="0"/>
-                <a:cs typeface="DejaVu Sans" panose="020B0603030804020204" pitchFamily="34" charset="0"/>
-              </a:rPr>
-              <a:t>xpendable</a:t>
-            </a:r>
-            <a:endParaRPr lang="en-US" sz="1100" dirty="0">
-              <a:latin typeface="DejaVu Sans" panose="020B0603030804020204" pitchFamily="34" charset="0"/>
-              <a:ea typeface="DejaVu Sans" panose="020B0603030804020204" pitchFamily="34" charset="0"/>
-              <a:cs typeface="DejaVu Sans" panose="020B0603030804020204" pitchFamily="34" charset="0"/>
-            </a:endParaRPr>
-          </a:p>
-        </p:txBody>
-      </p:sp>
-    </p:spTree>
-    <p:extLst>
-      <p:ext uri="{BB962C8B-B14F-4D97-AF65-F5344CB8AC3E}">
-        <p14:creationId xmlns:p14="http://schemas.microsoft.com/office/powerpoint/2010/main" val="786579933"/>
-      </p:ext>
-    </p:extLst>
-  </p:cSld>
-  <p:clrMapOvr>
-    <a:masterClrMapping/>
-  </p:clrMapOvr>
-</p:sld>
-</file>
-
-<file path=ppt/slides/slide2.xml><?xml version="1.0" encoding="utf-8"?>
-<p:sld xmlns:a="http://schemas.openxmlformats.org/drawingml/2006/main" xmlns:r="http://schemas.openxmlformats.org/officeDocument/2006/relationships" xmlns:p="http://schemas.openxmlformats.org/presentationml/2006/main">
-  <p:cSld>
-    <p:spTree>
-      <p:nvGrpSpPr>
-        <p:cNvPr id="1" name=""/>
-        <p:cNvGrpSpPr/>
-        <p:nvPr/>
-      </p:nvGrpSpPr>
-      <p:grpSpPr>
-        <a:xfrm>
-          <a:off x="0" y="0"/>
-          <a:ext cx="0" cy="0"/>
-          <a:chOff x="0" y="0"/>
-          <a:chExt cx="0" cy="0"/>
-        </a:xfrm>
-      </p:grpSpPr>
-      <p:pic>
-        <p:nvPicPr>
           <p:cNvPr id="4" name="Picture 3"/>
           <p:cNvPicPr>
             <a:picLocks noChangeAspect="1"/>
@@ -3431,209 +3014,455 @@
         </p:nvGrpSpPr>
         <p:grpSpPr>
           <a:xfrm>
-            <a:off x="2152333" y="3413896"/>
-            <a:ext cx="6499227" cy="914400"/>
-            <a:chOff x="2152333" y="3413896"/>
-            <a:chExt cx="6499227" cy="914400"/>
+            <a:off x="633171" y="3553596"/>
+            <a:ext cx="8210456" cy="1803600"/>
+            <a:chOff x="633171" y="3553596"/>
+            <a:chExt cx="8210456" cy="1803600"/>
           </a:xfrm>
         </p:grpSpPr>
+        <p:sp>
+          <p:nvSpPr>
+            <p:cNvPr id="18" name="TextBox 17"/>
+            <p:cNvSpPr txBox="1"/>
+            <p:nvPr/>
+          </p:nvSpPr>
+          <p:spPr>
+            <a:xfrm>
+              <a:off x="633171" y="4849365"/>
+              <a:ext cx="1436612" cy="507831"/>
+            </a:xfrm>
+            <a:prstGeom prst="rect">
+              <a:avLst/>
+            </a:prstGeom>
+            <a:solidFill>
+              <a:schemeClr val="bg1"/>
+            </a:solidFill>
+          </p:spPr>
+          <p:txBody>
+            <a:bodyPr wrap="none" rtlCol="0">
+              <a:spAutoFit/>
+            </a:bodyPr>
+            <a:lstStyle/>
+            <a:p>
+              <a:r>
+                <a:rPr lang="en-US" sz="900" dirty="0" smtClean="0">
+                  <a:latin typeface="DejaVu Sans" panose="020B0603030804020204" pitchFamily="34" charset="0"/>
+                  <a:ea typeface="DejaVu Sans" panose="020B0603030804020204" pitchFamily="34" charset="0"/>
+                  <a:cs typeface="DejaVu Sans" panose="020B0603030804020204" pitchFamily="34" charset="0"/>
+                </a:rPr>
+                <a:t>Landing method:</a:t>
+              </a:r>
+            </a:p>
+            <a:p>
+              <a:r>
+                <a:rPr lang="en-US" sz="900" dirty="0" err="1" smtClean="0">
+                  <a:latin typeface="DejaVu Sans" panose="020B0603030804020204" pitchFamily="34" charset="0"/>
+                  <a:ea typeface="DejaVu Sans" panose="020B0603030804020204" pitchFamily="34" charset="0"/>
+                  <a:cs typeface="DejaVu Sans" panose="020B0603030804020204" pitchFamily="34" charset="0"/>
+                </a:rPr>
+                <a:t>Recov</a:t>
+              </a:r>
+              <a:r>
+                <a:rPr lang="en-US" sz="900" dirty="0" smtClean="0">
+                  <a:latin typeface="DejaVu Sans" panose="020B0603030804020204" pitchFamily="34" charset="0"/>
+                  <a:ea typeface="DejaVu Sans" panose="020B0603030804020204" pitchFamily="34" charset="0"/>
+                  <a:cs typeface="DejaVu Sans" panose="020B0603030804020204" pitchFamily="34" charset="0"/>
+                </a:rPr>
+                <a:t>. prop. method:</a:t>
+              </a:r>
+            </a:p>
+            <a:p>
+              <a:r>
+                <a:rPr lang="en-US" sz="900" dirty="0" smtClean="0">
+                  <a:latin typeface="DejaVu Sans" panose="020B0603030804020204" pitchFamily="34" charset="0"/>
+                  <a:ea typeface="DejaVu Sans" panose="020B0603030804020204" pitchFamily="34" charset="0"/>
+                  <a:cs typeface="DejaVu Sans" panose="020B0603030804020204" pitchFamily="34" charset="0"/>
+                </a:rPr>
+                <a:t>Portion </a:t>
+              </a:r>
+              <a:r>
+                <a:rPr lang="en-US" sz="900" dirty="0" err="1" smtClean="0">
+                  <a:latin typeface="DejaVu Sans" panose="020B0603030804020204" pitchFamily="34" charset="0"/>
+                  <a:ea typeface="DejaVu Sans" panose="020B0603030804020204" pitchFamily="34" charset="0"/>
+                  <a:cs typeface="DejaVu Sans" panose="020B0603030804020204" pitchFamily="34" charset="0"/>
+                </a:rPr>
+                <a:t>recov’d</a:t>
+              </a:r>
+              <a:r>
+                <a:rPr lang="en-US" sz="900" dirty="0" smtClean="0">
+                  <a:latin typeface="DejaVu Sans" panose="020B0603030804020204" pitchFamily="34" charset="0"/>
+                  <a:ea typeface="DejaVu Sans" panose="020B0603030804020204" pitchFamily="34" charset="0"/>
+                  <a:cs typeface="DejaVu Sans" panose="020B0603030804020204" pitchFamily="34" charset="0"/>
+                </a:rPr>
+                <a:t>:</a:t>
+              </a:r>
+            </a:p>
+          </p:txBody>
+        </p:sp>
+        <p:sp>
+          <p:nvSpPr>
+            <p:cNvPr id="20" name="TextBox 19"/>
+            <p:cNvSpPr txBox="1"/>
+            <p:nvPr/>
+          </p:nvSpPr>
+          <p:spPr>
+            <a:xfrm>
+              <a:off x="926516" y="4338592"/>
+              <a:ext cx="1015021" cy="261610"/>
+            </a:xfrm>
+            <a:prstGeom prst="rect">
+              <a:avLst/>
+            </a:prstGeom>
+            <a:noFill/>
+          </p:spPr>
+          <p:txBody>
+            <a:bodyPr wrap="none" rtlCol="0">
+              <a:spAutoFit/>
+            </a:bodyPr>
+            <a:lstStyle/>
+            <a:p>
+              <a:r>
+                <a:rPr lang="en-US" sz="1100" dirty="0">
+                  <a:latin typeface="DejaVu Sans" panose="020B0603030804020204" pitchFamily="34" charset="0"/>
+                  <a:ea typeface="DejaVu Sans" panose="020B0603030804020204" pitchFamily="34" charset="0"/>
+                  <a:cs typeface="DejaVu Sans" panose="020B0603030804020204" pitchFamily="34" charset="0"/>
+                </a:rPr>
+                <a:t>E</a:t>
+              </a:r>
+              <a:r>
+                <a:rPr lang="en-US" sz="1100" dirty="0" smtClean="0">
+                  <a:latin typeface="DejaVu Sans" panose="020B0603030804020204" pitchFamily="34" charset="0"/>
+                  <a:ea typeface="DejaVu Sans" panose="020B0603030804020204" pitchFamily="34" charset="0"/>
+                  <a:cs typeface="DejaVu Sans" panose="020B0603030804020204" pitchFamily="34" charset="0"/>
+                </a:rPr>
+                <a:t>xpendable</a:t>
+              </a:r>
+              <a:endParaRPr lang="en-US" sz="1100" dirty="0">
+                <a:latin typeface="DejaVu Sans" panose="020B0603030804020204" pitchFamily="34" charset="0"/>
+                <a:ea typeface="DejaVu Sans" panose="020B0603030804020204" pitchFamily="34" charset="0"/>
+                <a:cs typeface="DejaVu Sans" panose="020B0603030804020204" pitchFamily="34" charset="0"/>
+              </a:endParaRPr>
+            </a:p>
+          </p:txBody>
+        </p:sp>
+        <p:grpSp>
+          <p:nvGrpSpPr>
+            <p:cNvPr id="8" name="Group 7"/>
+            <p:cNvGrpSpPr/>
+            <p:nvPr/>
+          </p:nvGrpSpPr>
+          <p:grpSpPr>
+            <a:xfrm>
+              <a:off x="2152333" y="3553596"/>
+              <a:ext cx="6296946" cy="914400"/>
+              <a:chOff x="2152333" y="3413896"/>
+              <a:chExt cx="6296946" cy="914400"/>
+            </a:xfrm>
+          </p:grpSpPr>
+          <p:pic>
+            <p:nvPicPr>
+              <p:cNvPr id="6" name="Picture 5"/>
+              <p:cNvPicPr>
+                <a:picLocks noChangeAspect="1"/>
+              </p:cNvPicPr>
+              <p:nvPr/>
+            </p:nvPicPr>
+            <p:blipFill rotWithShape="1">
+              <a:blip r:embed="rId3">
+                <a:extLst>
+                  <a:ext uri="{28A0092B-C50C-407E-A947-70E740481C1C}">
+                    <a14:useLocalDpi xmlns:a14="http://schemas.microsoft.com/office/drawing/2010/main" val="0"/>
+                  </a:ext>
+                </a:extLst>
+              </a:blip>
+              <a:srcRect l="13516" t="85381" r="81354"/>
+              <a:stretch/>
+            </p:blipFill>
+            <p:spPr>
+              <a:xfrm>
+                <a:off x="2152333" y="3413896"/>
+                <a:ext cx="656342" cy="914400"/>
+              </a:xfrm>
+              <a:prstGeom prst="rect">
+                <a:avLst/>
+              </a:prstGeom>
+            </p:spPr>
+          </p:pic>
+          <p:pic>
+            <p:nvPicPr>
+              <p:cNvPr id="7" name="Picture 6"/>
+              <p:cNvPicPr>
+                <a:picLocks noChangeAspect="1"/>
+              </p:cNvPicPr>
+              <p:nvPr/>
+            </p:nvPicPr>
+            <p:blipFill rotWithShape="1">
+              <a:blip r:embed="rId3">
+                <a:extLst>
+                  <a:ext uri="{28A0092B-C50C-407E-A947-70E740481C1C}">
+                    <a14:useLocalDpi xmlns:a14="http://schemas.microsoft.com/office/drawing/2010/main" val="0"/>
+                  </a:ext>
+                </a:extLst>
+              </a:blip>
+              <a:srcRect l="62709" t="85381" r="31337" b="1655"/>
+              <a:stretch/>
+            </p:blipFill>
+            <p:spPr>
+              <a:xfrm>
+                <a:off x="4949008" y="3413896"/>
+                <a:ext cx="757699" cy="806450"/>
+              </a:xfrm>
+              <a:prstGeom prst="rect">
+                <a:avLst/>
+              </a:prstGeom>
+            </p:spPr>
+          </p:pic>
+          <p:pic>
+            <p:nvPicPr>
+              <p:cNvPr id="12" name="Picture 11"/>
+              <p:cNvPicPr>
+                <a:picLocks noChangeAspect="1"/>
+              </p:cNvPicPr>
+              <p:nvPr/>
+            </p:nvPicPr>
+            <p:blipFill rotWithShape="1">
+              <a:blip r:embed="rId3">
+                <a:extLst>
+                  <a:ext uri="{28A0092B-C50C-407E-A947-70E740481C1C}">
+                    <a14:useLocalDpi xmlns:a14="http://schemas.microsoft.com/office/drawing/2010/main" val="0"/>
+                  </a:ext>
+                </a:extLst>
+              </a:blip>
+              <a:srcRect l="92604" t="92284" r="1611" b="1655"/>
+              <a:stretch/>
+            </p:blipFill>
+            <p:spPr>
+              <a:xfrm>
+                <a:off x="3130549" y="3857031"/>
+                <a:ext cx="699937" cy="358489"/>
+              </a:xfrm>
+              <a:prstGeom prst="rect">
+                <a:avLst/>
+              </a:prstGeom>
+            </p:spPr>
+          </p:pic>
+          <p:pic>
+            <p:nvPicPr>
+              <p:cNvPr id="14" name="Picture 13"/>
+              <p:cNvPicPr>
+                <a:picLocks noChangeAspect="1"/>
+              </p:cNvPicPr>
+              <p:nvPr/>
+            </p:nvPicPr>
+            <p:blipFill rotWithShape="1">
+              <a:blip r:embed="rId3">
+                <a:extLst>
+                  <a:ext uri="{28A0092B-C50C-407E-A947-70E740481C1C}">
+                    <a14:useLocalDpi xmlns:a14="http://schemas.microsoft.com/office/drawing/2010/main" val="0"/>
+                  </a:ext>
+                </a:extLst>
+              </a:blip>
+              <a:srcRect l="92604" t="92284" r="1611" b="1655"/>
+              <a:stretch/>
+            </p:blipFill>
+            <p:spPr>
+              <a:xfrm>
+                <a:off x="4111347" y="3861857"/>
+                <a:ext cx="699937" cy="358489"/>
+              </a:xfrm>
+              <a:prstGeom prst="rect">
+                <a:avLst/>
+              </a:prstGeom>
+            </p:spPr>
+          </p:pic>
+          <p:pic>
+            <p:nvPicPr>
+              <p:cNvPr id="15" name="Picture 14"/>
+              <p:cNvPicPr>
+                <a:picLocks noChangeAspect="1"/>
+              </p:cNvPicPr>
+              <p:nvPr/>
+            </p:nvPicPr>
+            <p:blipFill rotWithShape="1">
+              <a:blip r:embed="rId3">
+                <a:extLst>
+                  <a:ext uri="{28A0092B-C50C-407E-A947-70E740481C1C}">
+                    <a14:useLocalDpi xmlns:a14="http://schemas.microsoft.com/office/drawing/2010/main" val="0"/>
+                  </a:ext>
+                </a:extLst>
+              </a:blip>
+              <a:srcRect l="92604" t="92284" r="1611" b="1655"/>
+              <a:stretch/>
+            </p:blipFill>
+            <p:spPr>
+              <a:xfrm>
+                <a:off x="5991695" y="3871096"/>
+                <a:ext cx="699937" cy="358489"/>
+              </a:xfrm>
+              <a:prstGeom prst="rect">
+                <a:avLst/>
+              </a:prstGeom>
+            </p:spPr>
+          </p:pic>
+          <p:pic>
+            <p:nvPicPr>
+              <p:cNvPr id="2" name="Picture 1"/>
+              <p:cNvPicPr>
+                <a:picLocks noChangeAspect="1"/>
+              </p:cNvPicPr>
+              <p:nvPr/>
+            </p:nvPicPr>
+            <p:blipFill>
+              <a:blip r:embed="rId4" cstate="print">
+                <a:extLst>
+                  <a:ext uri="{28A0092B-C50C-407E-A947-70E740481C1C}">
+                    <a14:useLocalDpi xmlns:a14="http://schemas.microsoft.com/office/drawing/2010/main" val="0"/>
+                  </a:ext>
+                </a:extLst>
+              </a:blip>
+              <a:stretch>
+                <a:fillRect/>
+              </a:stretch>
+            </p:blipFill>
+            <p:spPr>
+              <a:xfrm>
+                <a:off x="8046312" y="3598821"/>
+                <a:ext cx="402967" cy="544550"/>
+              </a:xfrm>
+              <a:prstGeom prst="rect">
+                <a:avLst/>
+              </a:prstGeom>
+            </p:spPr>
+          </p:pic>
+        </p:grpSp>
+        <p:sp>
+          <p:nvSpPr>
+            <p:cNvPr id="3" name="TextBox 2"/>
+            <p:cNvSpPr txBox="1"/>
+            <p:nvPr/>
+          </p:nvSpPr>
+          <p:spPr>
+            <a:xfrm>
+              <a:off x="5059861" y="4338592"/>
+              <a:ext cx="3783766" cy="430887"/>
+            </a:xfrm>
+            <a:prstGeom prst="rect">
+              <a:avLst/>
+            </a:prstGeom>
+            <a:solidFill>
+              <a:schemeClr val="bg1"/>
+            </a:solidFill>
+          </p:spPr>
+          <p:txBody>
+            <a:bodyPr wrap="square" rtlCol="0">
+              <a:spAutoFit/>
+            </a:bodyPr>
+            <a:lstStyle/>
+            <a:p>
+              <a:r>
+                <a:rPr lang="en-US" sz="1100" dirty="0" smtClean="0">
+                  <a:latin typeface="DejaVu Sans" panose="020B0603030804020204" pitchFamily="34" charset="0"/>
+                  <a:ea typeface="DejaVu Sans" panose="020B0603030804020204" pitchFamily="34" charset="0"/>
+                  <a:cs typeface="DejaVu Sans" panose="020B0603030804020204" pitchFamily="34" charset="0"/>
+                </a:rPr>
+                <a:t>Downrange recovery:</a:t>
+              </a:r>
+            </a:p>
+            <a:p>
+              <a:r>
+                <a:rPr lang="en-US" sz="1100" dirty="0" smtClean="0">
+                  <a:latin typeface="DejaVu Sans" panose="020B0603030804020204" pitchFamily="34" charset="0"/>
+                  <a:ea typeface="DejaVu Sans" panose="020B0603030804020204" pitchFamily="34" charset="0"/>
+                  <a:cs typeface="DejaVu Sans" panose="020B0603030804020204" pitchFamily="34" charset="0"/>
+                </a:rPr>
+                <a:t>Ship	       Land	</a:t>
+              </a:r>
+              <a:r>
+                <a:rPr lang="en-US" sz="1100" dirty="0">
+                  <a:latin typeface="DejaVu Sans" panose="020B0603030804020204" pitchFamily="34" charset="0"/>
+                  <a:ea typeface="DejaVu Sans" panose="020B0603030804020204" pitchFamily="34" charset="0"/>
+                  <a:cs typeface="DejaVu Sans" panose="020B0603030804020204" pitchFamily="34" charset="0"/>
+                </a:rPr>
+                <a:t> </a:t>
+              </a:r>
+              <a:r>
+                <a:rPr lang="en-US" sz="1100" dirty="0" smtClean="0">
+                  <a:latin typeface="DejaVu Sans" panose="020B0603030804020204" pitchFamily="34" charset="0"/>
+                  <a:ea typeface="DejaVu Sans" panose="020B0603030804020204" pitchFamily="34" charset="0"/>
+                  <a:cs typeface="DejaVu Sans" panose="020B0603030804020204" pitchFamily="34" charset="0"/>
+                </a:rPr>
+                <a:t>            Ocean	  Mid-air       </a:t>
+              </a:r>
+              <a:endParaRPr lang="en-US" sz="1100" dirty="0">
+                <a:latin typeface="DejaVu Sans" panose="020B0603030804020204" pitchFamily="34" charset="0"/>
+                <a:ea typeface="DejaVu Sans" panose="020B0603030804020204" pitchFamily="34" charset="0"/>
+                <a:cs typeface="DejaVu Sans" panose="020B0603030804020204" pitchFamily="34" charset="0"/>
+              </a:endParaRPr>
+            </a:p>
+          </p:txBody>
+        </p:sp>
+        <p:sp>
+          <p:nvSpPr>
+            <p:cNvPr id="19" name="TextBox 18"/>
+            <p:cNvSpPr txBox="1"/>
+            <p:nvPr/>
+          </p:nvSpPr>
+          <p:spPr>
+            <a:xfrm>
+              <a:off x="2115528" y="4338592"/>
+              <a:ext cx="1659429" cy="261610"/>
+            </a:xfrm>
+            <a:prstGeom prst="rect">
+              <a:avLst/>
+            </a:prstGeom>
+            <a:noFill/>
+          </p:spPr>
+          <p:txBody>
+            <a:bodyPr wrap="none" rtlCol="0">
+              <a:spAutoFit/>
+            </a:bodyPr>
+            <a:lstStyle/>
+            <a:p>
+              <a:r>
+                <a:rPr lang="en-US" sz="1100" dirty="0" smtClean="0">
+                  <a:latin typeface="DejaVu Sans" panose="020B0603030804020204" pitchFamily="34" charset="0"/>
+                  <a:ea typeface="DejaVu Sans" panose="020B0603030804020204" pitchFamily="34" charset="0"/>
+                  <a:cs typeface="DejaVu Sans" panose="020B0603030804020204" pitchFamily="34" charset="0"/>
+                </a:rPr>
+                <a:t>Launch site recovery</a:t>
+              </a:r>
+              <a:endParaRPr lang="en-US" sz="1100" dirty="0">
+                <a:latin typeface="DejaVu Sans" panose="020B0603030804020204" pitchFamily="34" charset="0"/>
+                <a:ea typeface="DejaVu Sans" panose="020B0603030804020204" pitchFamily="34" charset="0"/>
+                <a:cs typeface="DejaVu Sans" panose="020B0603030804020204" pitchFamily="34" charset="0"/>
+              </a:endParaRPr>
+            </a:p>
+          </p:txBody>
+        </p:sp>
         <p:pic>
           <p:nvPicPr>
-            <p:cNvPr id="6" name="Picture 5"/>
+            <p:cNvPr id="16" name="Picture 15"/>
             <p:cNvPicPr>
               <a:picLocks noChangeAspect="1"/>
             </p:cNvPicPr>
             <p:nvPr/>
           </p:nvPicPr>
-          <p:blipFill rotWithShape="1">
-            <a:blip r:embed="rId3">
+          <p:blipFill>
+            <a:blip r:embed="rId5" cstate="print">
               <a:extLst>
                 <a:ext uri="{28A0092B-C50C-407E-A947-70E740481C1C}">
                   <a14:useLocalDpi xmlns:a14="http://schemas.microsoft.com/office/drawing/2010/main" val="0"/>
                 </a:ext>
               </a:extLst>
             </a:blip>
-            <a:srcRect l="13516" t="85381" r="81354"/>
-            <a:stretch/>
+            <a:stretch>
+              <a:fillRect/>
+            </a:stretch>
           </p:blipFill>
           <p:spPr>
             <a:xfrm>
-              <a:off x="2152333" y="3413896"/>
-              <a:ext cx="656342" cy="914400"/>
-            </a:xfrm>
-            <a:prstGeom prst="rect">
-              <a:avLst/>
-            </a:prstGeom>
-          </p:spPr>
-        </p:pic>
-        <p:pic>
-          <p:nvPicPr>
-            <p:cNvPr id="7" name="Picture 6"/>
-            <p:cNvPicPr>
-              <a:picLocks noChangeAspect="1"/>
-            </p:cNvPicPr>
-            <p:nvPr/>
-          </p:nvPicPr>
-          <p:blipFill rotWithShape="1">
-            <a:blip r:embed="rId3">
-              <a:extLst>
-                <a:ext uri="{28A0092B-C50C-407E-A947-70E740481C1C}">
-                  <a14:useLocalDpi xmlns:a14="http://schemas.microsoft.com/office/drawing/2010/main" val="0"/>
-                </a:ext>
-              </a:extLst>
-            </a:blip>
-            <a:srcRect l="62709" t="85381" r="31337" b="1655"/>
-            <a:stretch/>
-          </p:blipFill>
-          <p:spPr>
-            <a:xfrm>
-              <a:off x="4949008" y="3413896"/>
-              <a:ext cx="757699" cy="806450"/>
-            </a:xfrm>
-            <a:prstGeom prst="rect">
-              <a:avLst/>
-            </a:prstGeom>
-          </p:spPr>
-        </p:pic>
-        <p:pic>
-          <p:nvPicPr>
-            <p:cNvPr id="8" name="Picture 7"/>
-            <p:cNvPicPr>
-              <a:picLocks noChangeAspect="1"/>
-            </p:cNvPicPr>
-            <p:nvPr/>
-          </p:nvPicPr>
-          <p:blipFill rotWithShape="1">
-            <a:blip r:embed="rId3">
-              <a:extLst>
-                <a:ext uri="{28A0092B-C50C-407E-A947-70E740481C1C}">
-                  <a14:useLocalDpi xmlns:a14="http://schemas.microsoft.com/office/drawing/2010/main" val="0"/>
-                </a:ext>
-              </a:extLst>
-            </a:blip>
-            <a:srcRect l="69674" t="56699" r="24464" b="31075"/>
-            <a:stretch/>
-          </p:blipFill>
-          <p:spPr>
-            <a:xfrm>
-              <a:off x="6983367" y="3547324"/>
-              <a:ext cx="678132" cy="691271"/>
-            </a:xfrm>
-            <a:prstGeom prst="rect">
-              <a:avLst/>
-            </a:prstGeom>
-          </p:spPr>
-        </p:pic>
-        <p:pic>
-          <p:nvPicPr>
-            <p:cNvPr id="9" name="Picture 8"/>
-            <p:cNvPicPr>
-              <a:picLocks noChangeAspect="1"/>
-            </p:cNvPicPr>
-            <p:nvPr/>
-          </p:nvPicPr>
-          <p:blipFill rotWithShape="1">
-            <a:blip r:embed="rId3">
-              <a:extLst>
-                <a:ext uri="{28A0092B-C50C-407E-A947-70E740481C1C}">
-                  <a14:useLocalDpi xmlns:a14="http://schemas.microsoft.com/office/drawing/2010/main" val="0"/>
-                </a:ext>
-              </a:extLst>
-            </a:blip>
-            <a:srcRect l="92604" t="92284" r="1611" b="1655"/>
-            <a:stretch/>
-          </p:blipFill>
-          <p:spPr>
-            <a:xfrm>
-              <a:off x="3130549" y="3857031"/>
-              <a:ext cx="699937" cy="358489"/>
-            </a:xfrm>
-            <a:prstGeom prst="rect">
-              <a:avLst/>
-            </a:prstGeom>
-          </p:spPr>
-        </p:pic>
-        <p:pic>
-          <p:nvPicPr>
-            <p:cNvPr id="10" name="Picture 9"/>
-            <p:cNvPicPr>
-              <a:picLocks noChangeAspect="1"/>
-            </p:cNvPicPr>
-            <p:nvPr/>
-          </p:nvPicPr>
-          <p:blipFill rotWithShape="1">
-            <a:blip r:embed="rId3">
-              <a:extLst>
-                <a:ext uri="{28A0092B-C50C-407E-A947-70E740481C1C}">
-                  <a14:useLocalDpi xmlns:a14="http://schemas.microsoft.com/office/drawing/2010/main" val="0"/>
-                </a:ext>
-              </a:extLst>
-            </a:blip>
-            <a:srcRect l="92604" t="92284" r="1611" b="1655"/>
-            <a:stretch/>
-          </p:blipFill>
-          <p:spPr>
-            <a:xfrm>
-              <a:off x="4111347" y="3861857"/>
-              <a:ext cx="699937" cy="358489"/>
-            </a:xfrm>
-            <a:prstGeom prst="rect">
-              <a:avLst/>
-            </a:prstGeom>
-          </p:spPr>
-        </p:pic>
-        <p:pic>
-          <p:nvPicPr>
-            <p:cNvPr id="11" name="Picture 10"/>
-            <p:cNvPicPr>
-              <a:picLocks noChangeAspect="1"/>
-            </p:cNvPicPr>
-            <p:nvPr/>
-          </p:nvPicPr>
-          <p:blipFill rotWithShape="1">
-            <a:blip r:embed="rId3">
-              <a:extLst>
-                <a:ext uri="{28A0092B-C50C-407E-A947-70E740481C1C}">
-                  <a14:useLocalDpi xmlns:a14="http://schemas.microsoft.com/office/drawing/2010/main" val="0"/>
-                </a:ext>
-              </a:extLst>
-            </a:blip>
-            <a:srcRect l="92604" t="92284" r="1611" b="1655"/>
-            <a:stretch/>
-          </p:blipFill>
-          <p:spPr>
-            <a:xfrm>
-              <a:off x="5991695" y="3871096"/>
-              <a:ext cx="699937" cy="358489"/>
-            </a:xfrm>
-            <a:prstGeom prst="rect">
-              <a:avLst/>
-            </a:prstGeom>
-          </p:spPr>
-        </p:pic>
-        <p:pic>
-          <p:nvPicPr>
-            <p:cNvPr id="12" name="Picture 11"/>
-            <p:cNvPicPr>
-              <a:picLocks noChangeAspect="1"/>
-            </p:cNvPicPr>
-            <p:nvPr/>
-          </p:nvPicPr>
-          <p:blipFill rotWithShape="1">
-            <a:blip r:embed="rId3">
-              <a:extLst>
-                <a:ext uri="{28A0092B-C50C-407E-A947-70E740481C1C}">
-                  <a14:useLocalDpi xmlns:a14="http://schemas.microsoft.com/office/drawing/2010/main" val="0"/>
-                </a:ext>
-              </a:extLst>
-            </a:blip>
-            <a:srcRect l="69674" t="56699" r="24464" b="31075"/>
-            <a:stretch/>
-          </p:blipFill>
-          <p:spPr>
-            <a:xfrm>
-              <a:off x="7973428" y="3538314"/>
-              <a:ext cx="678132" cy="691271"/>
+              <a:off x="7093768" y="3796588"/>
+              <a:ext cx="550407" cy="618210"/>
             </a:xfrm>
             <a:prstGeom prst="rect">
               <a:avLst/>
@@ -3641,145 +3470,562 @@
           </p:spPr>
         </p:pic>
       </p:grpSp>
-      <p:sp>
-        <p:nvSpPr>
-          <p:cNvPr id="14" name="TextBox 13"/>
-          <p:cNvSpPr txBox="1"/>
+    </p:spTree>
+    <p:extLst>
+      <p:ext uri="{BB962C8B-B14F-4D97-AF65-F5344CB8AC3E}">
+        <p14:creationId xmlns:p14="http://schemas.microsoft.com/office/powerpoint/2010/main" val="786579933"/>
+      </p:ext>
+    </p:extLst>
+  </p:cSld>
+  <p:clrMapOvr>
+    <a:masterClrMapping/>
+  </p:clrMapOvr>
+</p:sld>
+</file>
+
+<file path=ppt/slides/slide2.xml><?xml version="1.0" encoding="utf-8"?>
+<p:sld xmlns:a="http://schemas.openxmlformats.org/drawingml/2006/main" xmlns:r="http://schemas.openxmlformats.org/officeDocument/2006/relationships" xmlns:p="http://schemas.openxmlformats.org/presentationml/2006/main">
+  <p:cSld>
+    <p:spTree>
+      <p:nvGrpSpPr>
+        <p:cNvPr id="1" name=""/>
+        <p:cNvGrpSpPr/>
+        <p:nvPr/>
+      </p:nvGrpSpPr>
+      <p:grpSpPr>
+        <a:xfrm>
+          <a:off x="0" y="0"/>
+          <a:ext cx="0" cy="0"/>
+          <a:chOff x="0" y="0"/>
+          <a:chExt cx="0" cy="0"/>
+        </a:xfrm>
+      </p:grpSpPr>
+      <p:pic>
+        <p:nvPicPr>
+          <p:cNvPr id="2" name="Picture 1"/>
+          <p:cNvPicPr>
+            <a:picLocks noChangeAspect="1"/>
+          </p:cNvPicPr>
           <p:nvPr/>
-        </p:nvSpPr>
+        </p:nvPicPr>
+        <p:blipFill>
+          <a:blip r:embed="rId2">
+            <a:extLst>
+              <a:ext uri="{28A0092B-C50C-407E-A947-70E740481C1C}">
+                <a14:useLocalDpi xmlns:a14="http://schemas.microsoft.com/office/drawing/2010/main" val="0"/>
+              </a:ext>
+            </a:extLst>
+          </a:blip>
+          <a:stretch>
+            <a:fillRect/>
+          </a:stretch>
+        </p:blipFill>
         <p:spPr>
           <a:xfrm>
-            <a:off x="479840" y="4529393"/>
-            <a:ext cx="1436612" cy="784830"/>
+            <a:off x="0" y="0"/>
+            <a:ext cx="9144000" cy="5486400"/>
           </a:xfrm>
           <a:prstGeom prst="rect">
             <a:avLst/>
           </a:prstGeom>
-          <a:solidFill>
-            <a:schemeClr val="bg1"/>
-          </a:solidFill>
         </p:spPr>
-        <p:txBody>
-          <a:bodyPr wrap="none" rtlCol="0">
-            <a:spAutoFit/>
-          </a:bodyPr>
-          <a:lstStyle/>
-          <a:p>
-            <a:endParaRPr lang="en-US" sz="900" dirty="0" smtClean="0">
-              <a:latin typeface="DejaVu Sans" panose="020B0603030804020204" pitchFamily="34" charset="0"/>
-              <a:ea typeface="DejaVu Sans" panose="020B0603030804020204" pitchFamily="34" charset="0"/>
-              <a:cs typeface="DejaVu Sans" panose="020B0603030804020204" pitchFamily="34" charset="0"/>
-            </a:endParaRPr>
-          </a:p>
-          <a:p>
-            <a:r>
-              <a:rPr lang="en-US" sz="900" dirty="0" smtClean="0">
+      </p:pic>
+      <p:grpSp>
+        <p:nvGrpSpPr>
+          <p:cNvPr id="43" name="Group 42"/>
+          <p:cNvGrpSpPr/>
+          <p:nvPr/>
+        </p:nvGrpSpPr>
+        <p:grpSpPr>
+          <a:xfrm>
+            <a:off x="512521" y="3553596"/>
+            <a:ext cx="8331106" cy="1803600"/>
+            <a:chOff x="512521" y="3553596"/>
+            <a:chExt cx="8331106" cy="1803600"/>
+          </a:xfrm>
+        </p:grpSpPr>
+        <p:sp>
+          <p:nvSpPr>
+            <p:cNvPr id="44" name="TextBox 43"/>
+            <p:cNvSpPr txBox="1"/>
+            <p:nvPr/>
+          </p:nvSpPr>
+          <p:spPr>
+            <a:xfrm>
+              <a:off x="512521" y="4849365"/>
+              <a:ext cx="1436612" cy="507831"/>
+            </a:xfrm>
+            <a:prstGeom prst="rect">
+              <a:avLst/>
+            </a:prstGeom>
+            <a:solidFill>
+              <a:schemeClr val="bg1"/>
+            </a:solidFill>
+          </p:spPr>
+          <p:txBody>
+            <a:bodyPr wrap="none" rtlCol="0">
+              <a:spAutoFit/>
+            </a:bodyPr>
+            <a:lstStyle/>
+            <a:p>
+              <a:r>
+                <a:rPr lang="en-US" sz="900" dirty="0" smtClean="0">
+                  <a:latin typeface="DejaVu Sans" panose="020B0603030804020204" pitchFamily="34" charset="0"/>
+                  <a:ea typeface="DejaVu Sans" panose="020B0603030804020204" pitchFamily="34" charset="0"/>
+                  <a:cs typeface="DejaVu Sans" panose="020B0603030804020204" pitchFamily="34" charset="0"/>
+                </a:rPr>
+                <a:t>Landing method:</a:t>
+              </a:r>
+            </a:p>
+            <a:p>
+              <a:r>
+                <a:rPr lang="en-US" sz="900" dirty="0" err="1" smtClean="0">
+                  <a:latin typeface="DejaVu Sans" panose="020B0603030804020204" pitchFamily="34" charset="0"/>
+                  <a:ea typeface="DejaVu Sans" panose="020B0603030804020204" pitchFamily="34" charset="0"/>
+                  <a:cs typeface="DejaVu Sans" panose="020B0603030804020204" pitchFamily="34" charset="0"/>
+                </a:rPr>
+                <a:t>Recov</a:t>
+              </a:r>
+              <a:r>
+                <a:rPr lang="en-US" sz="900" dirty="0" smtClean="0">
+                  <a:latin typeface="DejaVu Sans" panose="020B0603030804020204" pitchFamily="34" charset="0"/>
+                  <a:ea typeface="DejaVu Sans" panose="020B0603030804020204" pitchFamily="34" charset="0"/>
+                  <a:cs typeface="DejaVu Sans" panose="020B0603030804020204" pitchFamily="34" charset="0"/>
+                </a:rPr>
+                <a:t>. prop. method:</a:t>
+              </a:r>
+            </a:p>
+            <a:p>
+              <a:r>
+                <a:rPr lang="en-US" sz="900" dirty="0" smtClean="0">
+                  <a:latin typeface="DejaVu Sans" panose="020B0603030804020204" pitchFamily="34" charset="0"/>
+                  <a:ea typeface="DejaVu Sans" panose="020B0603030804020204" pitchFamily="34" charset="0"/>
+                  <a:cs typeface="DejaVu Sans" panose="020B0603030804020204" pitchFamily="34" charset="0"/>
+                </a:rPr>
+                <a:t>Portion </a:t>
+              </a:r>
+              <a:r>
+                <a:rPr lang="en-US" sz="900" dirty="0" err="1" smtClean="0">
+                  <a:latin typeface="DejaVu Sans" panose="020B0603030804020204" pitchFamily="34" charset="0"/>
+                  <a:ea typeface="DejaVu Sans" panose="020B0603030804020204" pitchFamily="34" charset="0"/>
+                  <a:cs typeface="DejaVu Sans" panose="020B0603030804020204" pitchFamily="34" charset="0"/>
+                </a:rPr>
+                <a:t>recov’d</a:t>
+              </a:r>
+              <a:r>
+                <a:rPr lang="en-US" sz="900" dirty="0" smtClean="0">
+                  <a:latin typeface="DejaVu Sans" panose="020B0603030804020204" pitchFamily="34" charset="0"/>
+                  <a:ea typeface="DejaVu Sans" panose="020B0603030804020204" pitchFamily="34" charset="0"/>
+                  <a:cs typeface="DejaVu Sans" panose="020B0603030804020204" pitchFamily="34" charset="0"/>
+                </a:rPr>
+                <a:t>:</a:t>
+              </a:r>
+            </a:p>
+          </p:txBody>
+        </p:sp>
+        <p:sp>
+          <p:nvSpPr>
+            <p:cNvPr id="45" name="TextBox 44"/>
+            <p:cNvSpPr txBox="1"/>
+            <p:nvPr/>
+          </p:nvSpPr>
+          <p:spPr>
+            <a:xfrm>
+              <a:off x="799516" y="4338592"/>
+              <a:ext cx="1015021" cy="261610"/>
+            </a:xfrm>
+            <a:prstGeom prst="rect">
+              <a:avLst/>
+            </a:prstGeom>
+            <a:noFill/>
+          </p:spPr>
+          <p:txBody>
+            <a:bodyPr wrap="none" rtlCol="0">
+              <a:spAutoFit/>
+            </a:bodyPr>
+            <a:lstStyle/>
+            <a:p>
+              <a:r>
+                <a:rPr lang="en-US" sz="1100" dirty="0">
+                  <a:latin typeface="DejaVu Sans" panose="020B0603030804020204" pitchFamily="34" charset="0"/>
+                  <a:ea typeface="DejaVu Sans" panose="020B0603030804020204" pitchFamily="34" charset="0"/>
+                  <a:cs typeface="DejaVu Sans" panose="020B0603030804020204" pitchFamily="34" charset="0"/>
+                </a:rPr>
+                <a:t>E</a:t>
+              </a:r>
+              <a:r>
+                <a:rPr lang="en-US" sz="1100" dirty="0" smtClean="0">
+                  <a:latin typeface="DejaVu Sans" panose="020B0603030804020204" pitchFamily="34" charset="0"/>
+                  <a:ea typeface="DejaVu Sans" panose="020B0603030804020204" pitchFamily="34" charset="0"/>
+                  <a:cs typeface="DejaVu Sans" panose="020B0603030804020204" pitchFamily="34" charset="0"/>
+                </a:rPr>
+                <a:t>xpendable</a:t>
+              </a:r>
+              <a:endParaRPr lang="en-US" sz="1100" dirty="0">
                 <a:latin typeface="DejaVu Sans" panose="020B0603030804020204" pitchFamily="34" charset="0"/>
                 <a:ea typeface="DejaVu Sans" panose="020B0603030804020204" pitchFamily="34" charset="0"/>
                 <a:cs typeface="DejaVu Sans" panose="020B0603030804020204" pitchFamily="34" charset="0"/>
-              </a:rPr>
-              <a:t>Landing method:</a:t>
-            </a:r>
-          </a:p>
-          <a:p>
-            <a:r>
-              <a:rPr lang="en-US" sz="900" dirty="0" err="1" smtClean="0">
+              </a:endParaRPr>
+            </a:p>
+          </p:txBody>
+        </p:sp>
+        <p:grpSp>
+          <p:nvGrpSpPr>
+            <p:cNvPr id="46" name="Group 45"/>
+            <p:cNvGrpSpPr/>
+            <p:nvPr/>
+          </p:nvGrpSpPr>
+          <p:grpSpPr>
+            <a:xfrm>
+              <a:off x="1980883" y="3553596"/>
+              <a:ext cx="6690646" cy="914400"/>
+              <a:chOff x="1980883" y="3413896"/>
+              <a:chExt cx="6690646" cy="914400"/>
+            </a:xfrm>
+          </p:grpSpPr>
+          <p:pic>
+            <p:nvPicPr>
+              <p:cNvPr id="50" name="Picture 49"/>
+              <p:cNvPicPr>
+                <a:picLocks noChangeAspect="1"/>
+              </p:cNvPicPr>
+              <p:nvPr/>
+            </p:nvPicPr>
+            <p:blipFill rotWithShape="1">
+              <a:blip r:embed="rId3">
+                <a:extLst>
+                  <a:ext uri="{28A0092B-C50C-407E-A947-70E740481C1C}">
+                    <a14:useLocalDpi xmlns:a14="http://schemas.microsoft.com/office/drawing/2010/main" val="0"/>
+                  </a:ext>
+                </a:extLst>
+              </a:blip>
+              <a:srcRect l="13516" t="85381" r="81354"/>
+              <a:stretch/>
+            </p:blipFill>
+            <p:spPr>
+              <a:xfrm>
+                <a:off x="1980883" y="3413896"/>
+                <a:ext cx="656342" cy="914400"/>
+              </a:xfrm>
+              <a:prstGeom prst="rect">
+                <a:avLst/>
+              </a:prstGeom>
+            </p:spPr>
+          </p:pic>
+          <p:pic>
+            <p:nvPicPr>
+              <p:cNvPr id="51" name="Picture 50"/>
+              <p:cNvPicPr>
+                <a:picLocks noChangeAspect="1"/>
+              </p:cNvPicPr>
+              <p:nvPr/>
+            </p:nvPicPr>
+            <p:blipFill rotWithShape="1">
+              <a:blip r:embed="rId3">
+                <a:extLst>
+                  <a:ext uri="{28A0092B-C50C-407E-A947-70E740481C1C}">
+                    <a14:useLocalDpi xmlns:a14="http://schemas.microsoft.com/office/drawing/2010/main" val="0"/>
+                  </a:ext>
+                </a:extLst>
+              </a:blip>
+              <a:srcRect l="62709" t="85381" r="31337" b="1655"/>
+              <a:stretch/>
+            </p:blipFill>
+            <p:spPr>
+              <a:xfrm>
+                <a:off x="4949008" y="3413896"/>
+                <a:ext cx="757699" cy="806450"/>
+              </a:xfrm>
+              <a:prstGeom prst="rect">
+                <a:avLst/>
+              </a:prstGeom>
+            </p:spPr>
+          </p:pic>
+          <p:pic>
+            <p:nvPicPr>
+              <p:cNvPr id="52" name="Picture 51"/>
+              <p:cNvPicPr>
+                <a:picLocks noChangeAspect="1"/>
+              </p:cNvPicPr>
+              <p:nvPr/>
+            </p:nvPicPr>
+            <p:blipFill rotWithShape="1">
+              <a:blip r:embed="rId3">
+                <a:extLst>
+                  <a:ext uri="{28A0092B-C50C-407E-A947-70E740481C1C}">
+                    <a14:useLocalDpi xmlns:a14="http://schemas.microsoft.com/office/drawing/2010/main" val="0"/>
+                  </a:ext>
+                </a:extLst>
+              </a:blip>
+              <a:srcRect l="92604" t="92284" r="1611" b="1655"/>
+              <a:stretch/>
+            </p:blipFill>
+            <p:spPr>
+              <a:xfrm>
+                <a:off x="3022599" y="3857031"/>
+                <a:ext cx="699937" cy="358489"/>
+              </a:xfrm>
+              <a:prstGeom prst="rect">
+                <a:avLst/>
+              </a:prstGeom>
+            </p:spPr>
+          </p:pic>
+          <p:pic>
+            <p:nvPicPr>
+              <p:cNvPr id="53" name="Picture 52"/>
+              <p:cNvPicPr>
+                <a:picLocks noChangeAspect="1"/>
+              </p:cNvPicPr>
+              <p:nvPr/>
+            </p:nvPicPr>
+            <p:blipFill rotWithShape="1">
+              <a:blip r:embed="rId3">
+                <a:extLst>
+                  <a:ext uri="{28A0092B-C50C-407E-A947-70E740481C1C}">
+                    <a14:useLocalDpi xmlns:a14="http://schemas.microsoft.com/office/drawing/2010/main" val="0"/>
+                  </a:ext>
+                </a:extLst>
+              </a:blip>
+              <a:srcRect l="92604" t="92284" r="1611" b="1655"/>
+              <a:stretch/>
+            </p:blipFill>
+            <p:spPr>
+              <a:xfrm>
+                <a:off x="4047847" y="3861857"/>
+                <a:ext cx="699937" cy="358489"/>
+              </a:xfrm>
+              <a:prstGeom prst="rect">
+                <a:avLst/>
+              </a:prstGeom>
+            </p:spPr>
+          </p:pic>
+          <p:pic>
+            <p:nvPicPr>
+              <p:cNvPr id="54" name="Picture 53"/>
+              <p:cNvPicPr>
+                <a:picLocks noChangeAspect="1"/>
+              </p:cNvPicPr>
+              <p:nvPr/>
+            </p:nvPicPr>
+            <p:blipFill rotWithShape="1">
+              <a:blip r:embed="rId3">
+                <a:extLst>
+                  <a:ext uri="{28A0092B-C50C-407E-A947-70E740481C1C}">
+                    <a14:useLocalDpi xmlns:a14="http://schemas.microsoft.com/office/drawing/2010/main" val="0"/>
+                  </a:ext>
+                </a:extLst>
+              </a:blip>
+              <a:srcRect l="92604" t="92284" r="1611" b="1655"/>
+              <a:stretch/>
+            </p:blipFill>
+            <p:spPr>
+              <a:xfrm>
+                <a:off x="5991695" y="3871096"/>
+                <a:ext cx="699937" cy="358489"/>
+              </a:xfrm>
+              <a:prstGeom prst="rect">
+                <a:avLst/>
+              </a:prstGeom>
+            </p:spPr>
+          </p:pic>
+          <p:pic>
+            <p:nvPicPr>
+              <p:cNvPr id="55" name="Picture 54"/>
+              <p:cNvPicPr>
+                <a:picLocks noChangeAspect="1"/>
+              </p:cNvPicPr>
+              <p:nvPr/>
+            </p:nvPicPr>
+            <p:blipFill>
+              <a:blip r:embed="rId4" cstate="print">
+                <a:extLst>
+                  <a:ext uri="{28A0092B-C50C-407E-A947-70E740481C1C}">
+                    <a14:useLocalDpi xmlns:a14="http://schemas.microsoft.com/office/drawing/2010/main" val="0"/>
+                  </a:ext>
+                </a:extLst>
+              </a:blip>
+              <a:stretch>
+                <a:fillRect/>
+              </a:stretch>
+            </p:blipFill>
+            <p:spPr>
+              <a:xfrm>
+                <a:off x="8268562" y="3598821"/>
+                <a:ext cx="402967" cy="544550"/>
+              </a:xfrm>
+              <a:prstGeom prst="rect">
+                <a:avLst/>
+              </a:prstGeom>
+            </p:spPr>
+          </p:pic>
+        </p:grpSp>
+        <p:sp>
+          <p:nvSpPr>
+            <p:cNvPr id="47" name="TextBox 46"/>
+            <p:cNvSpPr txBox="1"/>
+            <p:nvPr/>
+          </p:nvSpPr>
+          <p:spPr>
+            <a:xfrm>
+              <a:off x="5059861" y="4338592"/>
+              <a:ext cx="3783766" cy="430887"/>
+            </a:xfrm>
+            <a:prstGeom prst="rect">
+              <a:avLst/>
+            </a:prstGeom>
+            <a:solidFill>
+              <a:schemeClr val="bg1"/>
+            </a:solidFill>
+          </p:spPr>
+          <p:txBody>
+            <a:bodyPr wrap="square" rtlCol="0">
+              <a:spAutoFit/>
+            </a:bodyPr>
+            <a:lstStyle/>
+            <a:p>
+              <a:r>
+                <a:rPr lang="en-US" sz="1100" dirty="0" smtClean="0">
+                  <a:latin typeface="DejaVu Sans" panose="020B0603030804020204" pitchFamily="34" charset="0"/>
+                  <a:ea typeface="DejaVu Sans" panose="020B0603030804020204" pitchFamily="34" charset="0"/>
+                  <a:cs typeface="DejaVu Sans" panose="020B0603030804020204" pitchFamily="34" charset="0"/>
+                </a:rPr>
+                <a:t>Downrange recovery:</a:t>
+              </a:r>
+            </a:p>
+            <a:p>
+              <a:r>
+                <a:rPr lang="en-US" sz="1100" dirty="0" smtClean="0">
+                  <a:latin typeface="DejaVu Sans" panose="020B0603030804020204" pitchFamily="34" charset="0"/>
+                  <a:ea typeface="DejaVu Sans" panose="020B0603030804020204" pitchFamily="34" charset="0"/>
+                  <a:cs typeface="DejaVu Sans" panose="020B0603030804020204" pitchFamily="34" charset="0"/>
+                </a:rPr>
+                <a:t>Ship	       Land	</a:t>
+              </a:r>
+              <a:r>
+                <a:rPr lang="en-US" sz="1100" dirty="0">
+                  <a:latin typeface="DejaVu Sans" panose="020B0603030804020204" pitchFamily="34" charset="0"/>
+                  <a:ea typeface="DejaVu Sans" panose="020B0603030804020204" pitchFamily="34" charset="0"/>
+                  <a:cs typeface="DejaVu Sans" panose="020B0603030804020204" pitchFamily="34" charset="0"/>
+                </a:rPr>
+                <a:t> </a:t>
+              </a:r>
+              <a:r>
+                <a:rPr lang="en-US" sz="1100" dirty="0" smtClean="0">
+                  <a:latin typeface="DejaVu Sans" panose="020B0603030804020204" pitchFamily="34" charset="0"/>
+                  <a:ea typeface="DejaVu Sans" panose="020B0603030804020204" pitchFamily="34" charset="0"/>
+                  <a:cs typeface="DejaVu Sans" panose="020B0603030804020204" pitchFamily="34" charset="0"/>
+                </a:rPr>
+                <a:t>            </a:t>
+              </a:r>
+              <a:r>
+                <a:rPr lang="en-US" sz="1100" dirty="0">
+                  <a:latin typeface="DejaVu Sans" panose="020B0603030804020204" pitchFamily="34" charset="0"/>
+                  <a:ea typeface="DejaVu Sans" panose="020B0603030804020204" pitchFamily="34" charset="0"/>
+                  <a:cs typeface="DejaVu Sans" panose="020B0603030804020204" pitchFamily="34" charset="0"/>
+                </a:rPr>
+                <a:t> </a:t>
+              </a:r>
+              <a:r>
+                <a:rPr lang="en-US" sz="1100" dirty="0" smtClean="0">
+                  <a:latin typeface="DejaVu Sans" panose="020B0603030804020204" pitchFamily="34" charset="0"/>
+                  <a:ea typeface="DejaVu Sans" panose="020B0603030804020204" pitchFamily="34" charset="0"/>
+                  <a:cs typeface="DejaVu Sans" panose="020B0603030804020204" pitchFamily="34" charset="0"/>
+                </a:rPr>
+                <a:t>Ocean</a:t>
+              </a:r>
+              <a:r>
+                <a:rPr lang="en-US" sz="1100" dirty="0" smtClean="0">
+                  <a:latin typeface="DejaVu Sans" panose="020B0603030804020204" pitchFamily="34" charset="0"/>
+                  <a:ea typeface="DejaVu Sans" panose="020B0603030804020204" pitchFamily="34" charset="0"/>
+                  <a:cs typeface="DejaVu Sans" panose="020B0603030804020204" pitchFamily="34" charset="0"/>
+                </a:rPr>
+                <a:t>	  </a:t>
+              </a:r>
+              <a:r>
+                <a:rPr lang="en-US" sz="1100" dirty="0" smtClean="0">
+                  <a:latin typeface="DejaVu Sans" panose="020B0603030804020204" pitchFamily="34" charset="0"/>
+                  <a:ea typeface="DejaVu Sans" panose="020B0603030804020204" pitchFamily="34" charset="0"/>
+                  <a:cs typeface="DejaVu Sans" panose="020B0603030804020204" pitchFamily="34" charset="0"/>
+                </a:rPr>
+                <a:t>   Mid-air       </a:t>
+              </a:r>
+              <a:endParaRPr lang="en-US" sz="1100" dirty="0">
                 <a:latin typeface="DejaVu Sans" panose="020B0603030804020204" pitchFamily="34" charset="0"/>
                 <a:ea typeface="DejaVu Sans" panose="020B0603030804020204" pitchFamily="34" charset="0"/>
                 <a:cs typeface="DejaVu Sans" panose="020B0603030804020204" pitchFamily="34" charset="0"/>
-              </a:rPr>
-              <a:t>Recov</a:t>
-            </a:r>
-            <a:r>
-              <a:rPr lang="en-US" sz="900" dirty="0" smtClean="0">
+              </a:endParaRPr>
+            </a:p>
+          </p:txBody>
+        </p:sp>
+        <p:sp>
+          <p:nvSpPr>
+            <p:cNvPr id="48" name="TextBox 47"/>
+            <p:cNvSpPr txBox="1"/>
+            <p:nvPr/>
+          </p:nvSpPr>
+          <p:spPr>
+            <a:xfrm>
+              <a:off x="1810728" y="4338592"/>
+              <a:ext cx="1659429" cy="261610"/>
+            </a:xfrm>
+            <a:prstGeom prst="rect">
+              <a:avLst/>
+            </a:prstGeom>
+            <a:noFill/>
+          </p:spPr>
+          <p:txBody>
+            <a:bodyPr wrap="none" rtlCol="0">
+              <a:spAutoFit/>
+            </a:bodyPr>
+            <a:lstStyle/>
+            <a:p>
+              <a:r>
+                <a:rPr lang="en-US" sz="1100" dirty="0" smtClean="0">
+                  <a:latin typeface="DejaVu Sans" panose="020B0603030804020204" pitchFamily="34" charset="0"/>
+                  <a:ea typeface="DejaVu Sans" panose="020B0603030804020204" pitchFamily="34" charset="0"/>
+                  <a:cs typeface="DejaVu Sans" panose="020B0603030804020204" pitchFamily="34" charset="0"/>
+                </a:rPr>
+                <a:t>Launch site recovery</a:t>
+              </a:r>
+              <a:endParaRPr lang="en-US" sz="1100" dirty="0">
                 <a:latin typeface="DejaVu Sans" panose="020B0603030804020204" pitchFamily="34" charset="0"/>
                 <a:ea typeface="DejaVu Sans" panose="020B0603030804020204" pitchFamily="34" charset="0"/>
                 <a:cs typeface="DejaVu Sans" panose="020B0603030804020204" pitchFamily="34" charset="0"/>
-              </a:rPr>
-              <a:t>. prop. method:</a:t>
-            </a:r>
-          </a:p>
-          <a:p>
-            <a:r>
-              <a:rPr lang="en-US" sz="900" dirty="0" smtClean="0">
-                <a:latin typeface="DejaVu Sans" panose="020B0603030804020204" pitchFamily="34" charset="0"/>
-                <a:ea typeface="DejaVu Sans" panose="020B0603030804020204" pitchFamily="34" charset="0"/>
-                <a:cs typeface="DejaVu Sans" panose="020B0603030804020204" pitchFamily="34" charset="0"/>
-              </a:rPr>
-              <a:t>Portion </a:t>
-            </a:r>
-            <a:r>
-              <a:rPr lang="en-US" sz="900" dirty="0" err="1" smtClean="0">
-                <a:latin typeface="DejaVu Sans" panose="020B0603030804020204" pitchFamily="34" charset="0"/>
-                <a:ea typeface="DejaVu Sans" panose="020B0603030804020204" pitchFamily="34" charset="0"/>
-                <a:cs typeface="DejaVu Sans" panose="020B0603030804020204" pitchFamily="34" charset="0"/>
-              </a:rPr>
-              <a:t>recov’d</a:t>
-            </a:r>
-            <a:r>
-              <a:rPr lang="en-US" sz="900" dirty="0" smtClean="0">
-                <a:latin typeface="DejaVu Sans" panose="020B0603030804020204" pitchFamily="34" charset="0"/>
-                <a:ea typeface="DejaVu Sans" panose="020B0603030804020204" pitchFamily="34" charset="0"/>
-                <a:cs typeface="DejaVu Sans" panose="020B0603030804020204" pitchFamily="34" charset="0"/>
-              </a:rPr>
-              <a:t>:</a:t>
-            </a:r>
-          </a:p>
-          <a:p>
-            <a:endParaRPr lang="en-US" sz="900" dirty="0">
-              <a:latin typeface="DejaVu Sans" panose="020B0603030804020204" pitchFamily="34" charset="0"/>
-              <a:ea typeface="DejaVu Sans" panose="020B0603030804020204" pitchFamily="34" charset="0"/>
-              <a:cs typeface="DejaVu Sans" panose="020B0603030804020204" pitchFamily="34" charset="0"/>
-            </a:endParaRPr>
-          </a:p>
-        </p:txBody>
-      </p:sp>
-      <p:sp>
-        <p:nvSpPr>
-          <p:cNvPr id="15" name="TextBox 14"/>
-          <p:cNvSpPr txBox="1"/>
-          <p:nvPr/>
-        </p:nvSpPr>
-        <p:spPr>
-          <a:xfrm>
-            <a:off x="826808" y="4267685"/>
-            <a:ext cx="1015021" cy="261610"/>
-          </a:xfrm>
-          <a:prstGeom prst="rect">
-            <a:avLst/>
-          </a:prstGeom>
-          <a:noFill/>
-        </p:spPr>
-        <p:txBody>
-          <a:bodyPr wrap="none" rtlCol="0">
-            <a:spAutoFit/>
-          </a:bodyPr>
-          <a:lstStyle/>
-          <a:p>
-            <a:r>
-              <a:rPr lang="en-US" sz="1100" dirty="0">
-                <a:latin typeface="DejaVu Sans" panose="020B0603030804020204" pitchFamily="34" charset="0"/>
-                <a:ea typeface="DejaVu Sans" panose="020B0603030804020204" pitchFamily="34" charset="0"/>
-                <a:cs typeface="DejaVu Sans" panose="020B0603030804020204" pitchFamily="34" charset="0"/>
-              </a:rPr>
-              <a:t>E</a:t>
-            </a:r>
-            <a:r>
-              <a:rPr lang="en-US" sz="1100" dirty="0" smtClean="0">
-                <a:latin typeface="DejaVu Sans" panose="020B0603030804020204" pitchFamily="34" charset="0"/>
-                <a:ea typeface="DejaVu Sans" panose="020B0603030804020204" pitchFamily="34" charset="0"/>
-                <a:cs typeface="DejaVu Sans" panose="020B0603030804020204" pitchFamily="34" charset="0"/>
-              </a:rPr>
-              <a:t>xpendable</a:t>
-            </a:r>
-            <a:endParaRPr lang="en-US" sz="1100" dirty="0">
-              <a:latin typeface="DejaVu Sans" panose="020B0603030804020204" pitchFamily="34" charset="0"/>
-              <a:ea typeface="DejaVu Sans" panose="020B0603030804020204" pitchFamily="34" charset="0"/>
-              <a:cs typeface="DejaVu Sans" panose="020B0603030804020204" pitchFamily="34" charset="0"/>
-            </a:endParaRPr>
-          </a:p>
-        </p:txBody>
-      </p:sp>
+              </a:endParaRPr>
+            </a:p>
+          </p:txBody>
+        </p:sp>
+        <p:pic>
+          <p:nvPicPr>
+            <p:cNvPr id="49" name="Picture 48"/>
+            <p:cNvPicPr>
+              <a:picLocks noChangeAspect="1"/>
+            </p:cNvPicPr>
+            <p:nvPr/>
+          </p:nvPicPr>
+          <p:blipFill>
+            <a:blip r:embed="rId5" cstate="print">
+              <a:extLst>
+                <a:ext uri="{28A0092B-C50C-407E-A947-70E740481C1C}">
+                  <a14:useLocalDpi xmlns:a14="http://schemas.microsoft.com/office/drawing/2010/main" val="0"/>
+                </a:ext>
+              </a:extLst>
+            </a:blip>
+            <a:stretch>
+              <a:fillRect/>
+            </a:stretch>
+          </p:blipFill>
+          <p:spPr>
+            <a:xfrm>
+              <a:off x="7195368" y="3796588"/>
+              <a:ext cx="550407" cy="618210"/>
+            </a:xfrm>
+            <a:prstGeom prst="rect">
+              <a:avLst/>
+            </a:prstGeom>
+          </p:spPr>
+        </p:pic>
+      </p:grpSp>
     </p:spTree>
     <p:extLst>
       <p:ext uri="{BB962C8B-B14F-4D97-AF65-F5344CB8AC3E}">
@@ -3812,7 +4058,7 @@
       </p:grpSpPr>
       <p:pic>
         <p:nvPicPr>
-          <p:cNvPr id="4" name="Picture 3"/>
+          <p:cNvPr id="2" name="Picture 1"/>
           <p:cNvPicPr>
             <a:picLocks noChangeAspect="1"/>
           </p:cNvPicPr>
@@ -3842,215 +4088,461 @@
       </p:pic>
       <p:grpSp>
         <p:nvGrpSpPr>
-          <p:cNvPr id="5" name="Group 4"/>
+          <p:cNvPr id="29" name="Group 28"/>
           <p:cNvGrpSpPr/>
           <p:nvPr/>
         </p:nvGrpSpPr>
         <p:grpSpPr>
           <a:xfrm>
-            <a:off x="2469833" y="3413896"/>
-            <a:ext cx="6181727" cy="914400"/>
-            <a:chOff x="2469833" y="3413896"/>
-            <a:chExt cx="6181727" cy="914400"/>
+            <a:off x="633171" y="3553596"/>
+            <a:ext cx="8210456" cy="1803600"/>
+            <a:chOff x="633171" y="3553596"/>
+            <a:chExt cx="8210456" cy="1803600"/>
           </a:xfrm>
         </p:grpSpPr>
+        <p:sp>
+          <p:nvSpPr>
+            <p:cNvPr id="30" name="TextBox 29"/>
+            <p:cNvSpPr txBox="1"/>
+            <p:nvPr/>
+          </p:nvSpPr>
+          <p:spPr>
+            <a:xfrm>
+              <a:off x="633171" y="4849365"/>
+              <a:ext cx="1436612" cy="507831"/>
+            </a:xfrm>
+            <a:prstGeom prst="rect">
+              <a:avLst/>
+            </a:prstGeom>
+            <a:solidFill>
+              <a:schemeClr val="bg1"/>
+            </a:solidFill>
+          </p:spPr>
+          <p:txBody>
+            <a:bodyPr wrap="none" rtlCol="0">
+              <a:spAutoFit/>
+            </a:bodyPr>
+            <a:lstStyle/>
+            <a:p>
+              <a:r>
+                <a:rPr lang="en-US" sz="900" dirty="0" smtClean="0">
+                  <a:latin typeface="DejaVu Sans" panose="020B0603030804020204" pitchFamily="34" charset="0"/>
+                  <a:ea typeface="DejaVu Sans" panose="020B0603030804020204" pitchFamily="34" charset="0"/>
+                  <a:cs typeface="DejaVu Sans" panose="020B0603030804020204" pitchFamily="34" charset="0"/>
+                </a:rPr>
+                <a:t>Landing method:</a:t>
+              </a:r>
+            </a:p>
+            <a:p>
+              <a:r>
+                <a:rPr lang="en-US" sz="900" dirty="0" err="1" smtClean="0">
+                  <a:latin typeface="DejaVu Sans" panose="020B0603030804020204" pitchFamily="34" charset="0"/>
+                  <a:ea typeface="DejaVu Sans" panose="020B0603030804020204" pitchFamily="34" charset="0"/>
+                  <a:cs typeface="DejaVu Sans" panose="020B0603030804020204" pitchFamily="34" charset="0"/>
+                </a:rPr>
+                <a:t>Recov</a:t>
+              </a:r>
+              <a:r>
+                <a:rPr lang="en-US" sz="900" dirty="0" smtClean="0">
+                  <a:latin typeface="DejaVu Sans" panose="020B0603030804020204" pitchFamily="34" charset="0"/>
+                  <a:ea typeface="DejaVu Sans" panose="020B0603030804020204" pitchFamily="34" charset="0"/>
+                  <a:cs typeface="DejaVu Sans" panose="020B0603030804020204" pitchFamily="34" charset="0"/>
+                </a:rPr>
+                <a:t>. prop. method:</a:t>
+              </a:r>
+            </a:p>
+            <a:p>
+              <a:r>
+                <a:rPr lang="en-US" sz="900" dirty="0" smtClean="0">
+                  <a:latin typeface="DejaVu Sans" panose="020B0603030804020204" pitchFamily="34" charset="0"/>
+                  <a:ea typeface="DejaVu Sans" panose="020B0603030804020204" pitchFamily="34" charset="0"/>
+                  <a:cs typeface="DejaVu Sans" panose="020B0603030804020204" pitchFamily="34" charset="0"/>
+                </a:rPr>
+                <a:t>Portion </a:t>
+              </a:r>
+              <a:r>
+                <a:rPr lang="en-US" sz="900" dirty="0" err="1" smtClean="0">
+                  <a:latin typeface="DejaVu Sans" panose="020B0603030804020204" pitchFamily="34" charset="0"/>
+                  <a:ea typeface="DejaVu Sans" panose="020B0603030804020204" pitchFamily="34" charset="0"/>
+                  <a:cs typeface="DejaVu Sans" panose="020B0603030804020204" pitchFamily="34" charset="0"/>
+                </a:rPr>
+                <a:t>recov’d</a:t>
+              </a:r>
+              <a:r>
+                <a:rPr lang="en-US" sz="900" dirty="0" smtClean="0">
+                  <a:latin typeface="DejaVu Sans" panose="020B0603030804020204" pitchFamily="34" charset="0"/>
+                  <a:ea typeface="DejaVu Sans" panose="020B0603030804020204" pitchFamily="34" charset="0"/>
+                  <a:cs typeface="DejaVu Sans" panose="020B0603030804020204" pitchFamily="34" charset="0"/>
+                </a:rPr>
+                <a:t>:</a:t>
+              </a:r>
+            </a:p>
+          </p:txBody>
+        </p:sp>
+        <p:sp>
+          <p:nvSpPr>
+            <p:cNvPr id="31" name="TextBox 30"/>
+            <p:cNvSpPr txBox="1"/>
+            <p:nvPr/>
+          </p:nvSpPr>
+          <p:spPr>
+            <a:xfrm>
+              <a:off x="926516" y="4338592"/>
+              <a:ext cx="1015021" cy="261610"/>
+            </a:xfrm>
+            <a:prstGeom prst="rect">
+              <a:avLst/>
+            </a:prstGeom>
+            <a:noFill/>
+          </p:spPr>
+          <p:txBody>
+            <a:bodyPr wrap="none" rtlCol="0">
+              <a:spAutoFit/>
+            </a:bodyPr>
+            <a:lstStyle/>
+            <a:p>
+              <a:r>
+                <a:rPr lang="en-US" sz="1100" dirty="0">
+                  <a:latin typeface="DejaVu Sans" panose="020B0603030804020204" pitchFamily="34" charset="0"/>
+                  <a:ea typeface="DejaVu Sans" panose="020B0603030804020204" pitchFamily="34" charset="0"/>
+                  <a:cs typeface="DejaVu Sans" panose="020B0603030804020204" pitchFamily="34" charset="0"/>
+                </a:rPr>
+                <a:t>E</a:t>
+              </a:r>
+              <a:r>
+                <a:rPr lang="en-US" sz="1100" dirty="0" smtClean="0">
+                  <a:latin typeface="DejaVu Sans" panose="020B0603030804020204" pitchFamily="34" charset="0"/>
+                  <a:ea typeface="DejaVu Sans" panose="020B0603030804020204" pitchFamily="34" charset="0"/>
+                  <a:cs typeface="DejaVu Sans" panose="020B0603030804020204" pitchFamily="34" charset="0"/>
+                </a:rPr>
+                <a:t>xpendable</a:t>
+              </a:r>
+              <a:endParaRPr lang="en-US" sz="1100" dirty="0">
+                <a:latin typeface="DejaVu Sans" panose="020B0603030804020204" pitchFamily="34" charset="0"/>
+                <a:ea typeface="DejaVu Sans" panose="020B0603030804020204" pitchFamily="34" charset="0"/>
+                <a:cs typeface="DejaVu Sans" panose="020B0603030804020204" pitchFamily="34" charset="0"/>
+              </a:endParaRPr>
+            </a:p>
+          </p:txBody>
+        </p:sp>
+        <p:grpSp>
+          <p:nvGrpSpPr>
+            <p:cNvPr id="32" name="Group 31"/>
+            <p:cNvGrpSpPr/>
+            <p:nvPr/>
+          </p:nvGrpSpPr>
+          <p:grpSpPr>
+            <a:xfrm>
+              <a:off x="2152333" y="3553596"/>
+              <a:ext cx="6296946" cy="914400"/>
+              <a:chOff x="2152333" y="3413896"/>
+              <a:chExt cx="6296946" cy="914400"/>
+            </a:xfrm>
+          </p:grpSpPr>
+          <p:pic>
+            <p:nvPicPr>
+              <p:cNvPr id="36" name="Picture 35"/>
+              <p:cNvPicPr>
+                <a:picLocks noChangeAspect="1"/>
+              </p:cNvPicPr>
+              <p:nvPr/>
+            </p:nvPicPr>
+            <p:blipFill rotWithShape="1">
+              <a:blip r:embed="rId3">
+                <a:extLst>
+                  <a:ext uri="{28A0092B-C50C-407E-A947-70E740481C1C}">
+                    <a14:useLocalDpi xmlns:a14="http://schemas.microsoft.com/office/drawing/2010/main" val="0"/>
+                  </a:ext>
+                </a:extLst>
+              </a:blip>
+              <a:srcRect l="13516" t="85381" r="81354"/>
+              <a:stretch/>
+            </p:blipFill>
+            <p:spPr>
+              <a:xfrm>
+                <a:off x="2152333" y="3413896"/>
+                <a:ext cx="656342" cy="914400"/>
+              </a:xfrm>
+              <a:prstGeom prst="rect">
+                <a:avLst/>
+              </a:prstGeom>
+            </p:spPr>
+          </p:pic>
+          <p:pic>
+            <p:nvPicPr>
+              <p:cNvPr id="37" name="Picture 36"/>
+              <p:cNvPicPr>
+                <a:picLocks noChangeAspect="1"/>
+              </p:cNvPicPr>
+              <p:nvPr/>
+            </p:nvPicPr>
+            <p:blipFill rotWithShape="1">
+              <a:blip r:embed="rId3">
+                <a:extLst>
+                  <a:ext uri="{28A0092B-C50C-407E-A947-70E740481C1C}">
+                    <a14:useLocalDpi xmlns:a14="http://schemas.microsoft.com/office/drawing/2010/main" val="0"/>
+                  </a:ext>
+                </a:extLst>
+              </a:blip>
+              <a:srcRect l="62709" t="85381" r="31337" b="1655"/>
+              <a:stretch/>
+            </p:blipFill>
+            <p:spPr>
+              <a:xfrm>
+                <a:off x="4949008" y="3413896"/>
+                <a:ext cx="757699" cy="806450"/>
+              </a:xfrm>
+              <a:prstGeom prst="rect">
+                <a:avLst/>
+              </a:prstGeom>
+            </p:spPr>
+          </p:pic>
+          <p:pic>
+            <p:nvPicPr>
+              <p:cNvPr id="38" name="Picture 37"/>
+              <p:cNvPicPr>
+                <a:picLocks noChangeAspect="1"/>
+              </p:cNvPicPr>
+              <p:nvPr/>
+            </p:nvPicPr>
+            <p:blipFill rotWithShape="1">
+              <a:blip r:embed="rId3">
+                <a:extLst>
+                  <a:ext uri="{28A0092B-C50C-407E-A947-70E740481C1C}">
+                    <a14:useLocalDpi xmlns:a14="http://schemas.microsoft.com/office/drawing/2010/main" val="0"/>
+                  </a:ext>
+                </a:extLst>
+              </a:blip>
+              <a:srcRect l="92604" t="92284" r="1611" b="1655"/>
+              <a:stretch/>
+            </p:blipFill>
+            <p:spPr>
+              <a:xfrm>
+                <a:off x="3130549" y="3857031"/>
+                <a:ext cx="699937" cy="358489"/>
+              </a:xfrm>
+              <a:prstGeom prst="rect">
+                <a:avLst/>
+              </a:prstGeom>
+            </p:spPr>
+          </p:pic>
+          <p:pic>
+            <p:nvPicPr>
+              <p:cNvPr id="39" name="Picture 38"/>
+              <p:cNvPicPr>
+                <a:picLocks noChangeAspect="1"/>
+              </p:cNvPicPr>
+              <p:nvPr/>
+            </p:nvPicPr>
+            <p:blipFill rotWithShape="1">
+              <a:blip r:embed="rId3">
+                <a:extLst>
+                  <a:ext uri="{28A0092B-C50C-407E-A947-70E740481C1C}">
+                    <a14:useLocalDpi xmlns:a14="http://schemas.microsoft.com/office/drawing/2010/main" val="0"/>
+                  </a:ext>
+                </a:extLst>
+              </a:blip>
+              <a:srcRect l="92604" t="92284" r="1611" b="1655"/>
+              <a:stretch/>
+            </p:blipFill>
+            <p:spPr>
+              <a:xfrm>
+                <a:off x="4111347" y="3861857"/>
+                <a:ext cx="699937" cy="358489"/>
+              </a:xfrm>
+              <a:prstGeom prst="rect">
+                <a:avLst/>
+              </a:prstGeom>
+            </p:spPr>
+          </p:pic>
+          <p:pic>
+            <p:nvPicPr>
+              <p:cNvPr id="40" name="Picture 39"/>
+              <p:cNvPicPr>
+                <a:picLocks noChangeAspect="1"/>
+              </p:cNvPicPr>
+              <p:nvPr/>
+            </p:nvPicPr>
+            <p:blipFill rotWithShape="1">
+              <a:blip r:embed="rId3">
+                <a:extLst>
+                  <a:ext uri="{28A0092B-C50C-407E-A947-70E740481C1C}">
+                    <a14:useLocalDpi xmlns:a14="http://schemas.microsoft.com/office/drawing/2010/main" val="0"/>
+                  </a:ext>
+                </a:extLst>
+              </a:blip>
+              <a:srcRect l="92604" t="92284" r="1611" b="1655"/>
+              <a:stretch/>
+            </p:blipFill>
+            <p:spPr>
+              <a:xfrm>
+                <a:off x="5991695" y="3871096"/>
+                <a:ext cx="699937" cy="358489"/>
+              </a:xfrm>
+              <a:prstGeom prst="rect">
+                <a:avLst/>
+              </a:prstGeom>
+            </p:spPr>
+          </p:pic>
+          <p:pic>
+            <p:nvPicPr>
+              <p:cNvPr id="41" name="Picture 40"/>
+              <p:cNvPicPr>
+                <a:picLocks noChangeAspect="1"/>
+              </p:cNvPicPr>
+              <p:nvPr/>
+            </p:nvPicPr>
+            <p:blipFill>
+              <a:blip r:embed="rId4" cstate="print">
+                <a:extLst>
+                  <a:ext uri="{28A0092B-C50C-407E-A947-70E740481C1C}">
+                    <a14:useLocalDpi xmlns:a14="http://schemas.microsoft.com/office/drawing/2010/main" val="0"/>
+                  </a:ext>
+                </a:extLst>
+              </a:blip>
+              <a:stretch>
+                <a:fillRect/>
+              </a:stretch>
+            </p:blipFill>
+            <p:spPr>
+              <a:xfrm>
+                <a:off x="8046312" y="3598821"/>
+                <a:ext cx="402967" cy="544550"/>
+              </a:xfrm>
+              <a:prstGeom prst="rect">
+                <a:avLst/>
+              </a:prstGeom>
+            </p:spPr>
+          </p:pic>
+        </p:grpSp>
+        <p:sp>
+          <p:nvSpPr>
+            <p:cNvPr id="33" name="TextBox 32"/>
+            <p:cNvSpPr txBox="1"/>
+            <p:nvPr/>
+          </p:nvSpPr>
+          <p:spPr>
+            <a:xfrm>
+              <a:off x="5059861" y="4338592"/>
+              <a:ext cx="3783766" cy="430887"/>
+            </a:xfrm>
+            <a:prstGeom prst="rect">
+              <a:avLst/>
+            </a:prstGeom>
+            <a:solidFill>
+              <a:schemeClr val="bg1"/>
+            </a:solidFill>
+          </p:spPr>
+          <p:txBody>
+            <a:bodyPr wrap="square" rtlCol="0">
+              <a:spAutoFit/>
+            </a:bodyPr>
+            <a:lstStyle/>
+            <a:p>
+              <a:r>
+                <a:rPr lang="en-US" sz="1100" dirty="0" smtClean="0">
+                  <a:latin typeface="DejaVu Sans" panose="020B0603030804020204" pitchFamily="34" charset="0"/>
+                  <a:ea typeface="DejaVu Sans" panose="020B0603030804020204" pitchFamily="34" charset="0"/>
+                  <a:cs typeface="DejaVu Sans" panose="020B0603030804020204" pitchFamily="34" charset="0"/>
+                </a:rPr>
+                <a:t>Downrange recovery:</a:t>
+              </a:r>
+            </a:p>
+            <a:p>
+              <a:r>
+                <a:rPr lang="en-US" sz="1100" dirty="0" smtClean="0">
+                  <a:latin typeface="DejaVu Sans" panose="020B0603030804020204" pitchFamily="34" charset="0"/>
+                  <a:ea typeface="DejaVu Sans" panose="020B0603030804020204" pitchFamily="34" charset="0"/>
+                  <a:cs typeface="DejaVu Sans" panose="020B0603030804020204" pitchFamily="34" charset="0"/>
+                </a:rPr>
+                <a:t>Ship	       Land	</a:t>
+              </a:r>
+              <a:r>
+                <a:rPr lang="en-US" sz="1100" dirty="0">
+                  <a:latin typeface="DejaVu Sans" panose="020B0603030804020204" pitchFamily="34" charset="0"/>
+                  <a:ea typeface="DejaVu Sans" panose="020B0603030804020204" pitchFamily="34" charset="0"/>
+                  <a:cs typeface="DejaVu Sans" panose="020B0603030804020204" pitchFamily="34" charset="0"/>
+                </a:rPr>
+                <a:t> </a:t>
+              </a:r>
+              <a:r>
+                <a:rPr lang="en-US" sz="1100" dirty="0" smtClean="0">
+                  <a:latin typeface="DejaVu Sans" panose="020B0603030804020204" pitchFamily="34" charset="0"/>
+                  <a:ea typeface="DejaVu Sans" panose="020B0603030804020204" pitchFamily="34" charset="0"/>
+                  <a:cs typeface="DejaVu Sans" panose="020B0603030804020204" pitchFamily="34" charset="0"/>
+                </a:rPr>
+                <a:t>            Ocean	  Mid-air       </a:t>
+              </a:r>
+              <a:endParaRPr lang="en-US" sz="1100" dirty="0">
+                <a:latin typeface="DejaVu Sans" panose="020B0603030804020204" pitchFamily="34" charset="0"/>
+                <a:ea typeface="DejaVu Sans" panose="020B0603030804020204" pitchFamily="34" charset="0"/>
+                <a:cs typeface="DejaVu Sans" panose="020B0603030804020204" pitchFamily="34" charset="0"/>
+              </a:endParaRPr>
+            </a:p>
+          </p:txBody>
+        </p:sp>
+        <p:sp>
+          <p:nvSpPr>
+            <p:cNvPr id="34" name="TextBox 33"/>
+            <p:cNvSpPr txBox="1"/>
+            <p:nvPr/>
+          </p:nvSpPr>
+          <p:spPr>
+            <a:xfrm>
+              <a:off x="2115528" y="4338592"/>
+              <a:ext cx="1659429" cy="261610"/>
+            </a:xfrm>
+            <a:prstGeom prst="rect">
+              <a:avLst/>
+            </a:prstGeom>
+            <a:noFill/>
+          </p:spPr>
+          <p:txBody>
+            <a:bodyPr wrap="none" rtlCol="0">
+              <a:spAutoFit/>
+            </a:bodyPr>
+            <a:lstStyle/>
+            <a:p>
+              <a:r>
+                <a:rPr lang="en-US" sz="1100" dirty="0" smtClean="0">
+                  <a:latin typeface="DejaVu Sans" panose="020B0603030804020204" pitchFamily="34" charset="0"/>
+                  <a:ea typeface="DejaVu Sans" panose="020B0603030804020204" pitchFamily="34" charset="0"/>
+                  <a:cs typeface="DejaVu Sans" panose="020B0603030804020204" pitchFamily="34" charset="0"/>
+                </a:rPr>
+                <a:t>Launch site recovery</a:t>
+              </a:r>
+              <a:endParaRPr lang="en-US" sz="1100" dirty="0">
+                <a:latin typeface="DejaVu Sans" panose="020B0603030804020204" pitchFamily="34" charset="0"/>
+                <a:ea typeface="DejaVu Sans" panose="020B0603030804020204" pitchFamily="34" charset="0"/>
+                <a:cs typeface="DejaVu Sans" panose="020B0603030804020204" pitchFamily="34" charset="0"/>
+              </a:endParaRPr>
+            </a:p>
+          </p:txBody>
+        </p:sp>
         <p:pic>
           <p:nvPicPr>
-            <p:cNvPr id="6" name="Picture 5"/>
+            <p:cNvPr id="35" name="Picture 34"/>
             <p:cNvPicPr>
               <a:picLocks noChangeAspect="1"/>
             </p:cNvPicPr>
             <p:nvPr/>
           </p:nvPicPr>
-          <p:blipFill rotWithShape="1">
-            <a:blip r:embed="rId3">
+          <p:blipFill>
+            <a:blip r:embed="rId5" cstate="print">
               <a:extLst>
                 <a:ext uri="{28A0092B-C50C-407E-A947-70E740481C1C}">
                   <a14:useLocalDpi xmlns:a14="http://schemas.microsoft.com/office/drawing/2010/main" val="0"/>
                 </a:ext>
               </a:extLst>
             </a:blip>
-            <a:srcRect l="13516" t="85381" r="81354"/>
-            <a:stretch/>
+            <a:stretch>
+              <a:fillRect/>
+            </a:stretch>
           </p:blipFill>
           <p:spPr>
             <a:xfrm>
-              <a:off x="2469833" y="3413896"/>
-              <a:ext cx="656342" cy="914400"/>
-            </a:xfrm>
-            <a:prstGeom prst="rect">
-              <a:avLst/>
-            </a:prstGeom>
-          </p:spPr>
-        </p:pic>
-        <p:pic>
-          <p:nvPicPr>
-            <p:cNvPr id="7" name="Picture 6"/>
-            <p:cNvPicPr>
-              <a:picLocks noChangeAspect="1"/>
-            </p:cNvPicPr>
-            <p:nvPr/>
-          </p:nvPicPr>
-          <p:blipFill rotWithShape="1">
-            <a:blip r:embed="rId3">
-              <a:extLst>
-                <a:ext uri="{28A0092B-C50C-407E-A947-70E740481C1C}">
-                  <a14:useLocalDpi xmlns:a14="http://schemas.microsoft.com/office/drawing/2010/main" val="0"/>
-                </a:ext>
-              </a:extLst>
-            </a:blip>
-            <a:srcRect l="62709" t="85381" r="31337" b="1655"/>
-            <a:stretch/>
-          </p:blipFill>
-          <p:spPr>
-            <a:xfrm>
-              <a:off x="4949008" y="3413896"/>
-              <a:ext cx="757699" cy="806450"/>
-            </a:xfrm>
-            <a:prstGeom prst="rect">
-              <a:avLst/>
-            </a:prstGeom>
-          </p:spPr>
-        </p:pic>
-        <p:pic>
-          <p:nvPicPr>
-            <p:cNvPr id="8" name="Picture 7"/>
-            <p:cNvPicPr>
-              <a:picLocks noChangeAspect="1"/>
-            </p:cNvPicPr>
-            <p:nvPr/>
-          </p:nvPicPr>
-          <p:blipFill rotWithShape="1">
-            <a:blip r:embed="rId3">
-              <a:extLst>
-                <a:ext uri="{28A0092B-C50C-407E-A947-70E740481C1C}">
-                  <a14:useLocalDpi xmlns:a14="http://schemas.microsoft.com/office/drawing/2010/main" val="0"/>
-                </a:ext>
-              </a:extLst>
-            </a:blip>
-            <a:srcRect l="69674" t="56699" r="24464" b="31075"/>
-            <a:stretch/>
-          </p:blipFill>
-          <p:spPr>
-            <a:xfrm>
-              <a:off x="6983367" y="3547324"/>
-              <a:ext cx="678132" cy="691271"/>
-            </a:xfrm>
-            <a:prstGeom prst="rect">
-              <a:avLst/>
-            </a:prstGeom>
-          </p:spPr>
-        </p:pic>
-        <p:pic>
-          <p:nvPicPr>
-            <p:cNvPr id="9" name="Picture 8"/>
-            <p:cNvPicPr>
-              <a:picLocks noChangeAspect="1"/>
-            </p:cNvPicPr>
-            <p:nvPr/>
-          </p:nvPicPr>
-          <p:blipFill rotWithShape="1">
-            <a:blip r:embed="rId3">
-              <a:extLst>
-                <a:ext uri="{28A0092B-C50C-407E-A947-70E740481C1C}">
-                  <a14:useLocalDpi xmlns:a14="http://schemas.microsoft.com/office/drawing/2010/main" val="0"/>
-                </a:ext>
-              </a:extLst>
-            </a:blip>
-            <a:srcRect l="92604" t="92284" r="1611" b="1655"/>
-            <a:stretch/>
-          </p:blipFill>
-          <p:spPr>
-            <a:xfrm>
-              <a:off x="3130549" y="3863381"/>
-              <a:ext cx="699937" cy="358489"/>
-            </a:xfrm>
-            <a:prstGeom prst="rect">
-              <a:avLst/>
-            </a:prstGeom>
-          </p:spPr>
-        </p:pic>
-        <p:pic>
-          <p:nvPicPr>
-            <p:cNvPr id="10" name="Picture 9"/>
-            <p:cNvPicPr>
-              <a:picLocks noChangeAspect="1"/>
-            </p:cNvPicPr>
-            <p:nvPr/>
-          </p:nvPicPr>
-          <p:blipFill rotWithShape="1">
-            <a:blip r:embed="rId3">
-              <a:extLst>
-                <a:ext uri="{28A0092B-C50C-407E-A947-70E740481C1C}">
-                  <a14:useLocalDpi xmlns:a14="http://schemas.microsoft.com/office/drawing/2010/main" val="0"/>
-                </a:ext>
-              </a:extLst>
-            </a:blip>
-            <a:srcRect l="92604" t="92284" r="1611" b="1655"/>
-            <a:stretch/>
-          </p:blipFill>
-          <p:spPr>
-            <a:xfrm>
-              <a:off x="4111347" y="3861857"/>
-              <a:ext cx="699937" cy="358489"/>
-            </a:xfrm>
-            <a:prstGeom prst="rect">
-              <a:avLst/>
-            </a:prstGeom>
-          </p:spPr>
-        </p:pic>
-        <p:pic>
-          <p:nvPicPr>
-            <p:cNvPr id="11" name="Picture 10"/>
-            <p:cNvPicPr>
-              <a:picLocks noChangeAspect="1"/>
-            </p:cNvPicPr>
-            <p:nvPr/>
-          </p:nvPicPr>
-          <p:blipFill rotWithShape="1">
-            <a:blip r:embed="rId3">
-              <a:extLst>
-                <a:ext uri="{28A0092B-C50C-407E-A947-70E740481C1C}">
-                  <a14:useLocalDpi xmlns:a14="http://schemas.microsoft.com/office/drawing/2010/main" val="0"/>
-                </a:ext>
-              </a:extLst>
-            </a:blip>
-            <a:srcRect l="92604" t="92284" r="1611" b="1655"/>
-            <a:stretch/>
-          </p:blipFill>
-          <p:spPr>
-            <a:xfrm>
-              <a:off x="5991695" y="3871096"/>
-              <a:ext cx="699937" cy="358489"/>
-            </a:xfrm>
-            <a:prstGeom prst="rect">
-              <a:avLst/>
-            </a:prstGeom>
-          </p:spPr>
-        </p:pic>
-        <p:pic>
-          <p:nvPicPr>
-            <p:cNvPr id="12" name="Picture 11"/>
-            <p:cNvPicPr>
-              <a:picLocks noChangeAspect="1"/>
-            </p:cNvPicPr>
-            <p:nvPr/>
-          </p:nvPicPr>
-          <p:blipFill rotWithShape="1">
-            <a:blip r:embed="rId3">
-              <a:extLst>
-                <a:ext uri="{28A0092B-C50C-407E-A947-70E740481C1C}">
-                  <a14:useLocalDpi xmlns:a14="http://schemas.microsoft.com/office/drawing/2010/main" val="0"/>
-                </a:ext>
-              </a:extLst>
-            </a:blip>
-            <a:srcRect l="69674" t="56699" r="24464" b="31075"/>
-            <a:stretch/>
-          </p:blipFill>
-          <p:spPr>
-            <a:xfrm>
-              <a:off x="7973428" y="3538314"/>
-              <a:ext cx="678132" cy="691271"/>
+              <a:off x="7093768" y="3796588"/>
+              <a:ext cx="550407" cy="618210"/>
             </a:xfrm>
             <a:prstGeom prst="rect">
               <a:avLst/>
@@ -4058,145 +4550,6 @@
           </p:spPr>
         </p:pic>
       </p:grpSp>
-      <p:sp>
-        <p:nvSpPr>
-          <p:cNvPr id="13" name="TextBox 12"/>
-          <p:cNvSpPr txBox="1"/>
-          <p:nvPr/>
-        </p:nvSpPr>
-        <p:spPr>
-          <a:xfrm>
-            <a:off x="651290" y="4529393"/>
-            <a:ext cx="1436612" cy="784830"/>
-          </a:xfrm>
-          <a:prstGeom prst="rect">
-            <a:avLst/>
-          </a:prstGeom>
-          <a:solidFill>
-            <a:schemeClr val="bg1"/>
-          </a:solidFill>
-        </p:spPr>
-        <p:txBody>
-          <a:bodyPr wrap="none" rtlCol="0">
-            <a:spAutoFit/>
-          </a:bodyPr>
-          <a:lstStyle/>
-          <a:p>
-            <a:endParaRPr lang="en-US" sz="900" dirty="0" smtClean="0">
-              <a:latin typeface="DejaVu Sans" panose="020B0603030804020204" pitchFamily="34" charset="0"/>
-              <a:ea typeface="DejaVu Sans" panose="020B0603030804020204" pitchFamily="34" charset="0"/>
-              <a:cs typeface="DejaVu Sans" panose="020B0603030804020204" pitchFamily="34" charset="0"/>
-            </a:endParaRPr>
-          </a:p>
-          <a:p>
-            <a:r>
-              <a:rPr lang="en-US" sz="900" dirty="0" smtClean="0">
-                <a:latin typeface="DejaVu Sans" panose="020B0603030804020204" pitchFamily="34" charset="0"/>
-                <a:ea typeface="DejaVu Sans" panose="020B0603030804020204" pitchFamily="34" charset="0"/>
-                <a:cs typeface="DejaVu Sans" panose="020B0603030804020204" pitchFamily="34" charset="0"/>
-              </a:rPr>
-              <a:t>Landing method:</a:t>
-            </a:r>
-          </a:p>
-          <a:p>
-            <a:r>
-              <a:rPr lang="en-US" sz="900" dirty="0" err="1" smtClean="0">
-                <a:latin typeface="DejaVu Sans" panose="020B0603030804020204" pitchFamily="34" charset="0"/>
-                <a:ea typeface="DejaVu Sans" panose="020B0603030804020204" pitchFamily="34" charset="0"/>
-                <a:cs typeface="DejaVu Sans" panose="020B0603030804020204" pitchFamily="34" charset="0"/>
-              </a:rPr>
-              <a:t>Recov</a:t>
-            </a:r>
-            <a:r>
-              <a:rPr lang="en-US" sz="900" dirty="0" smtClean="0">
-                <a:latin typeface="DejaVu Sans" panose="020B0603030804020204" pitchFamily="34" charset="0"/>
-                <a:ea typeface="DejaVu Sans" panose="020B0603030804020204" pitchFamily="34" charset="0"/>
-                <a:cs typeface="DejaVu Sans" panose="020B0603030804020204" pitchFamily="34" charset="0"/>
-              </a:rPr>
-              <a:t>. prop. method:</a:t>
-            </a:r>
-          </a:p>
-          <a:p>
-            <a:r>
-              <a:rPr lang="en-US" sz="900" dirty="0" smtClean="0">
-                <a:latin typeface="DejaVu Sans" panose="020B0603030804020204" pitchFamily="34" charset="0"/>
-                <a:ea typeface="DejaVu Sans" panose="020B0603030804020204" pitchFamily="34" charset="0"/>
-                <a:cs typeface="DejaVu Sans" panose="020B0603030804020204" pitchFamily="34" charset="0"/>
-              </a:rPr>
-              <a:t>Portion </a:t>
-            </a:r>
-            <a:r>
-              <a:rPr lang="en-US" sz="900" dirty="0" err="1" smtClean="0">
-                <a:latin typeface="DejaVu Sans" panose="020B0603030804020204" pitchFamily="34" charset="0"/>
-                <a:ea typeface="DejaVu Sans" panose="020B0603030804020204" pitchFamily="34" charset="0"/>
-                <a:cs typeface="DejaVu Sans" panose="020B0603030804020204" pitchFamily="34" charset="0"/>
-              </a:rPr>
-              <a:t>recov’d</a:t>
-            </a:r>
-            <a:r>
-              <a:rPr lang="en-US" sz="900" dirty="0" smtClean="0">
-                <a:latin typeface="DejaVu Sans" panose="020B0603030804020204" pitchFamily="34" charset="0"/>
-                <a:ea typeface="DejaVu Sans" panose="020B0603030804020204" pitchFamily="34" charset="0"/>
-                <a:cs typeface="DejaVu Sans" panose="020B0603030804020204" pitchFamily="34" charset="0"/>
-              </a:rPr>
-              <a:t>:</a:t>
-            </a:r>
-          </a:p>
-          <a:p>
-            <a:endParaRPr lang="en-US" sz="900" dirty="0">
-              <a:latin typeface="DejaVu Sans" panose="020B0603030804020204" pitchFamily="34" charset="0"/>
-              <a:ea typeface="DejaVu Sans" panose="020B0603030804020204" pitchFamily="34" charset="0"/>
-              <a:cs typeface="DejaVu Sans" panose="020B0603030804020204" pitchFamily="34" charset="0"/>
-            </a:endParaRPr>
-          </a:p>
-        </p:txBody>
-      </p:sp>
-      <p:sp>
-        <p:nvSpPr>
-          <p:cNvPr id="14" name="TextBox 13"/>
-          <p:cNvSpPr txBox="1"/>
-          <p:nvPr/>
-        </p:nvSpPr>
-        <p:spPr>
-          <a:xfrm>
-            <a:off x="947458" y="4267685"/>
-            <a:ext cx="1015021" cy="261610"/>
-          </a:xfrm>
-          <a:prstGeom prst="rect">
-            <a:avLst/>
-          </a:prstGeom>
-          <a:noFill/>
-        </p:spPr>
-        <p:txBody>
-          <a:bodyPr wrap="none" rtlCol="0">
-            <a:spAutoFit/>
-          </a:bodyPr>
-          <a:lstStyle/>
-          <a:p>
-            <a:r>
-              <a:rPr lang="en-US" sz="1100" dirty="0">
-                <a:latin typeface="DejaVu Sans" panose="020B0603030804020204" pitchFamily="34" charset="0"/>
-                <a:ea typeface="DejaVu Sans" panose="020B0603030804020204" pitchFamily="34" charset="0"/>
-                <a:cs typeface="DejaVu Sans" panose="020B0603030804020204" pitchFamily="34" charset="0"/>
-              </a:rPr>
-              <a:t>E</a:t>
-            </a:r>
-            <a:r>
-              <a:rPr lang="en-US" sz="1100" dirty="0" smtClean="0">
-                <a:latin typeface="DejaVu Sans" panose="020B0603030804020204" pitchFamily="34" charset="0"/>
-                <a:ea typeface="DejaVu Sans" panose="020B0603030804020204" pitchFamily="34" charset="0"/>
-                <a:cs typeface="DejaVu Sans" panose="020B0603030804020204" pitchFamily="34" charset="0"/>
-              </a:rPr>
-              <a:t>xpendable</a:t>
-            </a:r>
-            <a:endParaRPr lang="en-US" sz="1100" dirty="0">
-              <a:latin typeface="DejaVu Sans" panose="020B0603030804020204" pitchFamily="34" charset="0"/>
-              <a:ea typeface="DejaVu Sans" panose="020B0603030804020204" pitchFamily="34" charset="0"/>
-              <a:cs typeface="DejaVu Sans" panose="020B0603030804020204" pitchFamily="34" charset="0"/>
-            </a:endParaRPr>
-          </a:p>
-        </p:txBody>
-      </p:sp>
     </p:spTree>
     <p:extLst>
       <p:ext uri="{BB962C8B-B14F-4D97-AF65-F5344CB8AC3E}">
@@ -4229,7 +4582,7 @@
       </p:grpSpPr>
       <p:pic>
         <p:nvPicPr>
-          <p:cNvPr id="4" name="Picture 3"/>
+          <p:cNvPr id="2" name="Picture 1"/>
           <p:cNvPicPr>
             <a:picLocks noChangeAspect="1"/>
           </p:cNvPicPr>
@@ -4259,215 +4612,493 @@
       </p:pic>
       <p:grpSp>
         <p:nvGrpSpPr>
-          <p:cNvPr id="5" name="Group 4"/>
+          <p:cNvPr id="30" name="Group 29"/>
           <p:cNvGrpSpPr/>
           <p:nvPr/>
         </p:nvGrpSpPr>
         <p:grpSpPr>
           <a:xfrm>
-            <a:off x="2152333" y="3413896"/>
-            <a:ext cx="6499227" cy="914400"/>
-            <a:chOff x="2152333" y="3413896"/>
-            <a:chExt cx="6499227" cy="914400"/>
+            <a:off x="512521" y="3553596"/>
+            <a:ext cx="8331106" cy="1803600"/>
+            <a:chOff x="512521" y="3553596"/>
+            <a:chExt cx="8331106" cy="1803600"/>
           </a:xfrm>
         </p:grpSpPr>
+        <p:sp>
+          <p:nvSpPr>
+            <p:cNvPr id="31" name="TextBox 30"/>
+            <p:cNvSpPr txBox="1"/>
+            <p:nvPr/>
+          </p:nvSpPr>
+          <p:spPr>
+            <a:xfrm>
+              <a:off x="512521" y="4849365"/>
+              <a:ext cx="1436612" cy="507831"/>
+            </a:xfrm>
+            <a:prstGeom prst="rect">
+              <a:avLst/>
+            </a:prstGeom>
+            <a:solidFill>
+              <a:schemeClr val="bg1"/>
+            </a:solidFill>
+          </p:spPr>
+          <p:txBody>
+            <a:bodyPr wrap="none" rtlCol="0">
+              <a:spAutoFit/>
+            </a:bodyPr>
+            <a:lstStyle/>
+            <a:p>
+              <a:r>
+                <a:rPr lang="en-US" sz="900" dirty="0" smtClean="0">
+                  <a:latin typeface="DejaVu Sans" panose="020B0603030804020204" pitchFamily="34" charset="0"/>
+                  <a:ea typeface="DejaVu Sans" panose="020B0603030804020204" pitchFamily="34" charset="0"/>
+                  <a:cs typeface="DejaVu Sans" panose="020B0603030804020204" pitchFamily="34" charset="0"/>
+                </a:rPr>
+                <a:t>Landing method:</a:t>
+              </a:r>
+            </a:p>
+            <a:p>
+              <a:r>
+                <a:rPr lang="en-US" sz="900" dirty="0" err="1" smtClean="0">
+                  <a:latin typeface="DejaVu Sans" panose="020B0603030804020204" pitchFamily="34" charset="0"/>
+                  <a:ea typeface="DejaVu Sans" panose="020B0603030804020204" pitchFamily="34" charset="0"/>
+                  <a:cs typeface="DejaVu Sans" panose="020B0603030804020204" pitchFamily="34" charset="0"/>
+                </a:rPr>
+                <a:t>Recov</a:t>
+              </a:r>
+              <a:r>
+                <a:rPr lang="en-US" sz="900" dirty="0" smtClean="0">
+                  <a:latin typeface="DejaVu Sans" panose="020B0603030804020204" pitchFamily="34" charset="0"/>
+                  <a:ea typeface="DejaVu Sans" panose="020B0603030804020204" pitchFamily="34" charset="0"/>
+                  <a:cs typeface="DejaVu Sans" panose="020B0603030804020204" pitchFamily="34" charset="0"/>
+                </a:rPr>
+                <a:t>. prop. method:</a:t>
+              </a:r>
+            </a:p>
+            <a:p>
+              <a:r>
+                <a:rPr lang="en-US" sz="900" dirty="0" smtClean="0">
+                  <a:latin typeface="DejaVu Sans" panose="020B0603030804020204" pitchFamily="34" charset="0"/>
+                  <a:ea typeface="DejaVu Sans" panose="020B0603030804020204" pitchFamily="34" charset="0"/>
+                  <a:cs typeface="DejaVu Sans" panose="020B0603030804020204" pitchFamily="34" charset="0"/>
+                </a:rPr>
+                <a:t>Portion </a:t>
+              </a:r>
+              <a:r>
+                <a:rPr lang="en-US" sz="900" dirty="0" err="1" smtClean="0">
+                  <a:latin typeface="DejaVu Sans" panose="020B0603030804020204" pitchFamily="34" charset="0"/>
+                  <a:ea typeface="DejaVu Sans" panose="020B0603030804020204" pitchFamily="34" charset="0"/>
+                  <a:cs typeface="DejaVu Sans" panose="020B0603030804020204" pitchFamily="34" charset="0"/>
+                </a:rPr>
+                <a:t>recov’d</a:t>
+              </a:r>
+              <a:r>
+                <a:rPr lang="en-US" sz="900" dirty="0" smtClean="0">
+                  <a:latin typeface="DejaVu Sans" panose="020B0603030804020204" pitchFamily="34" charset="0"/>
+                  <a:ea typeface="DejaVu Sans" panose="020B0603030804020204" pitchFamily="34" charset="0"/>
+                  <a:cs typeface="DejaVu Sans" panose="020B0603030804020204" pitchFamily="34" charset="0"/>
+                </a:rPr>
+                <a:t>:</a:t>
+              </a:r>
+            </a:p>
+          </p:txBody>
+        </p:sp>
+        <p:sp>
+          <p:nvSpPr>
+            <p:cNvPr id="32" name="TextBox 31"/>
+            <p:cNvSpPr txBox="1"/>
+            <p:nvPr/>
+          </p:nvSpPr>
+          <p:spPr>
+            <a:xfrm>
+              <a:off x="799516" y="4338592"/>
+              <a:ext cx="1015021" cy="261610"/>
+            </a:xfrm>
+            <a:prstGeom prst="rect">
+              <a:avLst/>
+            </a:prstGeom>
+            <a:noFill/>
+          </p:spPr>
+          <p:txBody>
+            <a:bodyPr wrap="none" rtlCol="0">
+              <a:spAutoFit/>
+            </a:bodyPr>
+            <a:lstStyle/>
+            <a:p>
+              <a:r>
+                <a:rPr lang="en-US" sz="1100" dirty="0">
+                  <a:latin typeface="DejaVu Sans" panose="020B0603030804020204" pitchFamily="34" charset="0"/>
+                  <a:ea typeface="DejaVu Sans" panose="020B0603030804020204" pitchFamily="34" charset="0"/>
+                  <a:cs typeface="DejaVu Sans" panose="020B0603030804020204" pitchFamily="34" charset="0"/>
+                </a:rPr>
+                <a:t>E</a:t>
+              </a:r>
+              <a:r>
+                <a:rPr lang="en-US" sz="1100" dirty="0" smtClean="0">
+                  <a:latin typeface="DejaVu Sans" panose="020B0603030804020204" pitchFamily="34" charset="0"/>
+                  <a:ea typeface="DejaVu Sans" panose="020B0603030804020204" pitchFamily="34" charset="0"/>
+                  <a:cs typeface="DejaVu Sans" panose="020B0603030804020204" pitchFamily="34" charset="0"/>
+                </a:rPr>
+                <a:t>xpendable</a:t>
+              </a:r>
+              <a:endParaRPr lang="en-US" sz="1100" dirty="0">
+                <a:latin typeface="DejaVu Sans" panose="020B0603030804020204" pitchFamily="34" charset="0"/>
+                <a:ea typeface="DejaVu Sans" panose="020B0603030804020204" pitchFamily="34" charset="0"/>
+                <a:cs typeface="DejaVu Sans" panose="020B0603030804020204" pitchFamily="34" charset="0"/>
+              </a:endParaRPr>
+            </a:p>
+          </p:txBody>
+        </p:sp>
+        <p:grpSp>
+          <p:nvGrpSpPr>
+            <p:cNvPr id="33" name="Group 32"/>
+            <p:cNvGrpSpPr/>
+            <p:nvPr/>
+          </p:nvGrpSpPr>
+          <p:grpSpPr>
+            <a:xfrm>
+              <a:off x="1980883" y="3553596"/>
+              <a:ext cx="6690646" cy="914400"/>
+              <a:chOff x="1980883" y="3413896"/>
+              <a:chExt cx="6690646" cy="914400"/>
+            </a:xfrm>
+          </p:grpSpPr>
+          <p:pic>
+            <p:nvPicPr>
+              <p:cNvPr id="37" name="Picture 36"/>
+              <p:cNvPicPr>
+                <a:picLocks noChangeAspect="1"/>
+              </p:cNvPicPr>
+              <p:nvPr/>
+            </p:nvPicPr>
+            <p:blipFill rotWithShape="1">
+              <a:blip r:embed="rId3">
+                <a:extLst>
+                  <a:ext uri="{28A0092B-C50C-407E-A947-70E740481C1C}">
+                    <a14:useLocalDpi xmlns:a14="http://schemas.microsoft.com/office/drawing/2010/main" val="0"/>
+                  </a:ext>
+                </a:extLst>
+              </a:blip>
+              <a:srcRect l="13516" t="85381" r="81354"/>
+              <a:stretch/>
+            </p:blipFill>
+            <p:spPr>
+              <a:xfrm>
+                <a:off x="1980883" y="3413896"/>
+                <a:ext cx="656342" cy="914400"/>
+              </a:xfrm>
+              <a:prstGeom prst="rect">
+                <a:avLst/>
+              </a:prstGeom>
+            </p:spPr>
+          </p:pic>
+          <p:pic>
+            <p:nvPicPr>
+              <p:cNvPr id="38" name="Picture 37"/>
+              <p:cNvPicPr>
+                <a:picLocks noChangeAspect="1"/>
+              </p:cNvPicPr>
+              <p:nvPr/>
+            </p:nvPicPr>
+            <p:blipFill rotWithShape="1">
+              <a:blip r:embed="rId3">
+                <a:extLst>
+                  <a:ext uri="{28A0092B-C50C-407E-A947-70E740481C1C}">
+                    <a14:useLocalDpi xmlns:a14="http://schemas.microsoft.com/office/drawing/2010/main" val="0"/>
+                  </a:ext>
+                </a:extLst>
+              </a:blip>
+              <a:srcRect l="62709" t="85381" r="31337" b="1655"/>
+              <a:stretch/>
+            </p:blipFill>
+            <p:spPr>
+              <a:xfrm>
+                <a:off x="4949008" y="3413896"/>
+                <a:ext cx="757699" cy="806450"/>
+              </a:xfrm>
+              <a:prstGeom prst="rect">
+                <a:avLst/>
+              </a:prstGeom>
+            </p:spPr>
+          </p:pic>
+          <p:pic>
+            <p:nvPicPr>
+              <p:cNvPr id="39" name="Picture 38"/>
+              <p:cNvPicPr>
+                <a:picLocks noChangeAspect="1"/>
+              </p:cNvPicPr>
+              <p:nvPr/>
+            </p:nvPicPr>
+            <p:blipFill rotWithShape="1">
+              <a:blip r:embed="rId3">
+                <a:extLst>
+                  <a:ext uri="{28A0092B-C50C-407E-A947-70E740481C1C}">
+                    <a14:useLocalDpi xmlns:a14="http://schemas.microsoft.com/office/drawing/2010/main" val="0"/>
+                  </a:ext>
+                </a:extLst>
+              </a:blip>
+              <a:srcRect l="92604" t="92284" r="1611" b="1655"/>
+              <a:stretch/>
+            </p:blipFill>
+            <p:spPr>
+              <a:xfrm>
+                <a:off x="3022599" y="3857031"/>
+                <a:ext cx="699937" cy="358489"/>
+              </a:xfrm>
+              <a:prstGeom prst="rect">
+                <a:avLst/>
+              </a:prstGeom>
+            </p:spPr>
+          </p:pic>
+          <p:pic>
+            <p:nvPicPr>
+              <p:cNvPr id="40" name="Picture 39"/>
+              <p:cNvPicPr>
+                <a:picLocks noChangeAspect="1"/>
+              </p:cNvPicPr>
+              <p:nvPr/>
+            </p:nvPicPr>
+            <p:blipFill rotWithShape="1">
+              <a:blip r:embed="rId3">
+                <a:extLst>
+                  <a:ext uri="{28A0092B-C50C-407E-A947-70E740481C1C}">
+                    <a14:useLocalDpi xmlns:a14="http://schemas.microsoft.com/office/drawing/2010/main" val="0"/>
+                  </a:ext>
+                </a:extLst>
+              </a:blip>
+              <a:srcRect l="92604" t="92284" r="1611" b="1655"/>
+              <a:stretch/>
+            </p:blipFill>
+            <p:spPr>
+              <a:xfrm>
+                <a:off x="4047847" y="3861857"/>
+                <a:ext cx="699937" cy="358489"/>
+              </a:xfrm>
+              <a:prstGeom prst="rect">
+                <a:avLst/>
+              </a:prstGeom>
+            </p:spPr>
+          </p:pic>
+          <p:pic>
+            <p:nvPicPr>
+              <p:cNvPr id="41" name="Picture 40"/>
+              <p:cNvPicPr>
+                <a:picLocks noChangeAspect="1"/>
+              </p:cNvPicPr>
+              <p:nvPr/>
+            </p:nvPicPr>
+            <p:blipFill rotWithShape="1">
+              <a:blip r:embed="rId3">
+                <a:extLst>
+                  <a:ext uri="{28A0092B-C50C-407E-A947-70E740481C1C}">
+                    <a14:useLocalDpi xmlns:a14="http://schemas.microsoft.com/office/drawing/2010/main" val="0"/>
+                  </a:ext>
+                </a:extLst>
+              </a:blip>
+              <a:srcRect l="92604" t="92284" r="1611" b="1655"/>
+              <a:stretch/>
+            </p:blipFill>
+            <p:spPr>
+              <a:xfrm>
+                <a:off x="5991695" y="3871096"/>
+                <a:ext cx="699937" cy="358489"/>
+              </a:xfrm>
+              <a:prstGeom prst="rect">
+                <a:avLst/>
+              </a:prstGeom>
+            </p:spPr>
+          </p:pic>
+          <p:pic>
+            <p:nvPicPr>
+              <p:cNvPr id="42" name="Picture 41"/>
+              <p:cNvPicPr>
+                <a:picLocks noChangeAspect="1"/>
+              </p:cNvPicPr>
+              <p:nvPr/>
+            </p:nvPicPr>
+            <p:blipFill>
+              <a:blip r:embed="rId4" cstate="print">
+                <a:extLst>
+                  <a:ext uri="{28A0092B-C50C-407E-A947-70E740481C1C}">
+                    <a14:useLocalDpi xmlns:a14="http://schemas.microsoft.com/office/drawing/2010/main" val="0"/>
+                  </a:ext>
+                </a:extLst>
+              </a:blip>
+              <a:stretch>
+                <a:fillRect/>
+              </a:stretch>
+            </p:blipFill>
+            <p:spPr>
+              <a:xfrm>
+                <a:off x="8268562" y="3598821"/>
+                <a:ext cx="402967" cy="544550"/>
+              </a:xfrm>
+              <a:prstGeom prst="rect">
+                <a:avLst/>
+              </a:prstGeom>
+            </p:spPr>
+          </p:pic>
+        </p:grpSp>
+        <p:sp>
+          <p:nvSpPr>
+            <p:cNvPr id="34" name="TextBox 33"/>
+            <p:cNvSpPr txBox="1"/>
+            <p:nvPr/>
+          </p:nvSpPr>
+          <p:spPr>
+            <a:xfrm>
+              <a:off x="5059861" y="4338592"/>
+              <a:ext cx="3783766" cy="430887"/>
+            </a:xfrm>
+            <a:prstGeom prst="rect">
+              <a:avLst/>
+            </a:prstGeom>
+            <a:solidFill>
+              <a:schemeClr val="bg1"/>
+            </a:solidFill>
+          </p:spPr>
+          <p:txBody>
+            <a:bodyPr wrap="square" rtlCol="0">
+              <a:spAutoFit/>
+            </a:bodyPr>
+            <a:lstStyle/>
+            <a:p>
+              <a:r>
+                <a:rPr lang="en-US" sz="1100" dirty="0" smtClean="0">
+                  <a:latin typeface="DejaVu Sans" panose="020B0603030804020204" pitchFamily="34" charset="0"/>
+                  <a:ea typeface="DejaVu Sans" panose="020B0603030804020204" pitchFamily="34" charset="0"/>
+                  <a:cs typeface="DejaVu Sans" panose="020B0603030804020204" pitchFamily="34" charset="0"/>
+                </a:rPr>
+                <a:t>Downrange recovery:</a:t>
+              </a:r>
+            </a:p>
+            <a:p>
+              <a:r>
+                <a:rPr lang="en-US" sz="1100" dirty="0" smtClean="0">
+                  <a:latin typeface="DejaVu Sans" panose="020B0603030804020204" pitchFamily="34" charset="0"/>
+                  <a:ea typeface="DejaVu Sans" panose="020B0603030804020204" pitchFamily="34" charset="0"/>
+                  <a:cs typeface="DejaVu Sans" panose="020B0603030804020204" pitchFamily="34" charset="0"/>
+                </a:rPr>
+                <a:t>Ship	       Land	</a:t>
+              </a:r>
+              <a:r>
+                <a:rPr lang="en-US" sz="1100" dirty="0">
+                  <a:latin typeface="DejaVu Sans" panose="020B0603030804020204" pitchFamily="34" charset="0"/>
+                  <a:ea typeface="DejaVu Sans" panose="020B0603030804020204" pitchFamily="34" charset="0"/>
+                  <a:cs typeface="DejaVu Sans" panose="020B0603030804020204" pitchFamily="34" charset="0"/>
+                </a:rPr>
+                <a:t> </a:t>
+              </a:r>
+              <a:r>
+                <a:rPr lang="en-US" sz="1100" dirty="0" smtClean="0">
+                  <a:latin typeface="DejaVu Sans" panose="020B0603030804020204" pitchFamily="34" charset="0"/>
+                  <a:ea typeface="DejaVu Sans" panose="020B0603030804020204" pitchFamily="34" charset="0"/>
+                  <a:cs typeface="DejaVu Sans" panose="020B0603030804020204" pitchFamily="34" charset="0"/>
+                </a:rPr>
+                <a:t>            </a:t>
+              </a:r>
+              <a:r>
+                <a:rPr lang="en-US" sz="1100" dirty="0">
+                  <a:latin typeface="DejaVu Sans" panose="020B0603030804020204" pitchFamily="34" charset="0"/>
+                  <a:ea typeface="DejaVu Sans" panose="020B0603030804020204" pitchFamily="34" charset="0"/>
+                  <a:cs typeface="DejaVu Sans" panose="020B0603030804020204" pitchFamily="34" charset="0"/>
+                </a:rPr>
+                <a:t> </a:t>
+              </a:r>
+              <a:r>
+                <a:rPr lang="en-US" sz="1100" dirty="0" smtClean="0">
+                  <a:latin typeface="DejaVu Sans" panose="020B0603030804020204" pitchFamily="34" charset="0"/>
+                  <a:ea typeface="DejaVu Sans" panose="020B0603030804020204" pitchFamily="34" charset="0"/>
+                  <a:cs typeface="DejaVu Sans" panose="020B0603030804020204" pitchFamily="34" charset="0"/>
+                </a:rPr>
+                <a:t>Ocean</a:t>
+              </a:r>
+              <a:r>
+                <a:rPr lang="en-US" sz="1100" dirty="0" smtClean="0">
+                  <a:latin typeface="DejaVu Sans" panose="020B0603030804020204" pitchFamily="34" charset="0"/>
+                  <a:ea typeface="DejaVu Sans" panose="020B0603030804020204" pitchFamily="34" charset="0"/>
+                  <a:cs typeface="DejaVu Sans" panose="020B0603030804020204" pitchFamily="34" charset="0"/>
+                </a:rPr>
+                <a:t>	  </a:t>
+              </a:r>
+              <a:r>
+                <a:rPr lang="en-US" sz="1100" dirty="0" smtClean="0">
+                  <a:latin typeface="DejaVu Sans" panose="020B0603030804020204" pitchFamily="34" charset="0"/>
+                  <a:ea typeface="DejaVu Sans" panose="020B0603030804020204" pitchFamily="34" charset="0"/>
+                  <a:cs typeface="DejaVu Sans" panose="020B0603030804020204" pitchFamily="34" charset="0"/>
+                </a:rPr>
+                <a:t>   Mid-air       </a:t>
+              </a:r>
+              <a:endParaRPr lang="en-US" sz="1100" dirty="0">
+                <a:latin typeface="DejaVu Sans" panose="020B0603030804020204" pitchFamily="34" charset="0"/>
+                <a:ea typeface="DejaVu Sans" panose="020B0603030804020204" pitchFamily="34" charset="0"/>
+                <a:cs typeface="DejaVu Sans" panose="020B0603030804020204" pitchFamily="34" charset="0"/>
+              </a:endParaRPr>
+            </a:p>
+          </p:txBody>
+        </p:sp>
+        <p:sp>
+          <p:nvSpPr>
+            <p:cNvPr id="35" name="TextBox 34"/>
+            <p:cNvSpPr txBox="1"/>
+            <p:nvPr/>
+          </p:nvSpPr>
+          <p:spPr>
+            <a:xfrm>
+              <a:off x="1810728" y="4338592"/>
+              <a:ext cx="1659429" cy="261610"/>
+            </a:xfrm>
+            <a:prstGeom prst="rect">
+              <a:avLst/>
+            </a:prstGeom>
+            <a:noFill/>
+          </p:spPr>
+          <p:txBody>
+            <a:bodyPr wrap="none" rtlCol="0">
+              <a:spAutoFit/>
+            </a:bodyPr>
+            <a:lstStyle/>
+            <a:p>
+              <a:r>
+                <a:rPr lang="en-US" sz="1100" dirty="0" smtClean="0">
+                  <a:latin typeface="DejaVu Sans" panose="020B0603030804020204" pitchFamily="34" charset="0"/>
+                  <a:ea typeface="DejaVu Sans" panose="020B0603030804020204" pitchFamily="34" charset="0"/>
+                  <a:cs typeface="DejaVu Sans" panose="020B0603030804020204" pitchFamily="34" charset="0"/>
+                </a:rPr>
+                <a:t>Launch site recovery</a:t>
+              </a:r>
+              <a:endParaRPr lang="en-US" sz="1100" dirty="0">
+                <a:latin typeface="DejaVu Sans" panose="020B0603030804020204" pitchFamily="34" charset="0"/>
+                <a:ea typeface="DejaVu Sans" panose="020B0603030804020204" pitchFamily="34" charset="0"/>
+                <a:cs typeface="DejaVu Sans" panose="020B0603030804020204" pitchFamily="34" charset="0"/>
+              </a:endParaRPr>
+            </a:p>
+          </p:txBody>
+        </p:sp>
         <p:pic>
           <p:nvPicPr>
-            <p:cNvPr id="6" name="Picture 5"/>
+            <p:cNvPr id="36" name="Picture 35"/>
             <p:cNvPicPr>
               <a:picLocks noChangeAspect="1"/>
             </p:cNvPicPr>
             <p:nvPr/>
           </p:nvPicPr>
-          <p:blipFill rotWithShape="1">
-            <a:blip r:embed="rId3">
+          <p:blipFill>
+            <a:blip r:embed="rId5" cstate="print">
               <a:extLst>
                 <a:ext uri="{28A0092B-C50C-407E-A947-70E740481C1C}">
                   <a14:useLocalDpi xmlns:a14="http://schemas.microsoft.com/office/drawing/2010/main" val="0"/>
                 </a:ext>
               </a:extLst>
             </a:blip>
-            <a:srcRect l="13516" t="85381" r="81354"/>
-            <a:stretch/>
+            <a:stretch>
+              <a:fillRect/>
+            </a:stretch>
           </p:blipFill>
           <p:spPr>
             <a:xfrm>
-              <a:off x="2152333" y="3413896"/>
-              <a:ext cx="656342" cy="914400"/>
-            </a:xfrm>
-            <a:prstGeom prst="rect">
-              <a:avLst/>
-            </a:prstGeom>
-          </p:spPr>
-        </p:pic>
-        <p:pic>
-          <p:nvPicPr>
-            <p:cNvPr id="7" name="Picture 6"/>
-            <p:cNvPicPr>
-              <a:picLocks noChangeAspect="1"/>
-            </p:cNvPicPr>
-            <p:nvPr/>
-          </p:nvPicPr>
-          <p:blipFill rotWithShape="1">
-            <a:blip r:embed="rId3">
-              <a:extLst>
-                <a:ext uri="{28A0092B-C50C-407E-A947-70E740481C1C}">
-                  <a14:useLocalDpi xmlns:a14="http://schemas.microsoft.com/office/drawing/2010/main" val="0"/>
-                </a:ext>
-              </a:extLst>
-            </a:blip>
-            <a:srcRect l="62709" t="85381" r="31337" b="1655"/>
-            <a:stretch/>
-          </p:blipFill>
-          <p:spPr>
-            <a:xfrm>
-              <a:off x="4949008" y="3413896"/>
-              <a:ext cx="757699" cy="806450"/>
-            </a:xfrm>
-            <a:prstGeom prst="rect">
-              <a:avLst/>
-            </a:prstGeom>
-          </p:spPr>
-        </p:pic>
-        <p:pic>
-          <p:nvPicPr>
-            <p:cNvPr id="8" name="Picture 7"/>
-            <p:cNvPicPr>
-              <a:picLocks noChangeAspect="1"/>
-            </p:cNvPicPr>
-            <p:nvPr/>
-          </p:nvPicPr>
-          <p:blipFill rotWithShape="1">
-            <a:blip r:embed="rId3">
-              <a:extLst>
-                <a:ext uri="{28A0092B-C50C-407E-A947-70E740481C1C}">
-                  <a14:useLocalDpi xmlns:a14="http://schemas.microsoft.com/office/drawing/2010/main" val="0"/>
-                </a:ext>
-              </a:extLst>
-            </a:blip>
-            <a:srcRect l="69674" t="56699" r="24464" b="31075"/>
-            <a:stretch/>
-          </p:blipFill>
-          <p:spPr>
-            <a:xfrm>
-              <a:off x="6983367" y="3547324"/>
-              <a:ext cx="678132" cy="691271"/>
-            </a:xfrm>
-            <a:prstGeom prst="rect">
-              <a:avLst/>
-            </a:prstGeom>
-          </p:spPr>
-        </p:pic>
-        <p:pic>
-          <p:nvPicPr>
-            <p:cNvPr id="9" name="Picture 8"/>
-            <p:cNvPicPr>
-              <a:picLocks noChangeAspect="1"/>
-            </p:cNvPicPr>
-            <p:nvPr/>
-          </p:nvPicPr>
-          <p:blipFill rotWithShape="1">
-            <a:blip r:embed="rId3">
-              <a:extLst>
-                <a:ext uri="{28A0092B-C50C-407E-A947-70E740481C1C}">
-                  <a14:useLocalDpi xmlns:a14="http://schemas.microsoft.com/office/drawing/2010/main" val="0"/>
-                </a:ext>
-              </a:extLst>
-            </a:blip>
-            <a:srcRect l="92604" t="92284" r="1611" b="1655"/>
-            <a:stretch/>
-          </p:blipFill>
-          <p:spPr>
-            <a:xfrm>
-              <a:off x="3130549" y="3857031"/>
-              <a:ext cx="699937" cy="358489"/>
-            </a:xfrm>
-            <a:prstGeom prst="rect">
-              <a:avLst/>
-            </a:prstGeom>
-          </p:spPr>
-        </p:pic>
-        <p:pic>
-          <p:nvPicPr>
-            <p:cNvPr id="10" name="Picture 9"/>
-            <p:cNvPicPr>
-              <a:picLocks noChangeAspect="1"/>
-            </p:cNvPicPr>
-            <p:nvPr/>
-          </p:nvPicPr>
-          <p:blipFill rotWithShape="1">
-            <a:blip r:embed="rId3">
-              <a:extLst>
-                <a:ext uri="{28A0092B-C50C-407E-A947-70E740481C1C}">
-                  <a14:useLocalDpi xmlns:a14="http://schemas.microsoft.com/office/drawing/2010/main" val="0"/>
-                </a:ext>
-              </a:extLst>
-            </a:blip>
-            <a:srcRect l="92604" t="92284" r="1611" b="1655"/>
-            <a:stretch/>
-          </p:blipFill>
-          <p:spPr>
-            <a:xfrm>
-              <a:off x="4111347" y="3861857"/>
-              <a:ext cx="699937" cy="358489"/>
-            </a:xfrm>
-            <a:prstGeom prst="rect">
-              <a:avLst/>
-            </a:prstGeom>
-          </p:spPr>
-        </p:pic>
-        <p:pic>
-          <p:nvPicPr>
-            <p:cNvPr id="11" name="Picture 10"/>
-            <p:cNvPicPr>
-              <a:picLocks noChangeAspect="1"/>
-            </p:cNvPicPr>
-            <p:nvPr/>
-          </p:nvPicPr>
-          <p:blipFill rotWithShape="1">
-            <a:blip r:embed="rId3">
-              <a:extLst>
-                <a:ext uri="{28A0092B-C50C-407E-A947-70E740481C1C}">
-                  <a14:useLocalDpi xmlns:a14="http://schemas.microsoft.com/office/drawing/2010/main" val="0"/>
-                </a:ext>
-              </a:extLst>
-            </a:blip>
-            <a:srcRect l="92604" t="92284" r="1611" b="1655"/>
-            <a:stretch/>
-          </p:blipFill>
-          <p:spPr>
-            <a:xfrm>
-              <a:off x="5991695" y="3871096"/>
-              <a:ext cx="699937" cy="358489"/>
-            </a:xfrm>
-            <a:prstGeom prst="rect">
-              <a:avLst/>
-            </a:prstGeom>
-          </p:spPr>
-        </p:pic>
-        <p:pic>
-          <p:nvPicPr>
-            <p:cNvPr id="12" name="Picture 11"/>
-            <p:cNvPicPr>
-              <a:picLocks noChangeAspect="1"/>
-            </p:cNvPicPr>
-            <p:nvPr/>
-          </p:nvPicPr>
-          <p:blipFill rotWithShape="1">
-            <a:blip r:embed="rId3">
-              <a:extLst>
-                <a:ext uri="{28A0092B-C50C-407E-A947-70E740481C1C}">
-                  <a14:useLocalDpi xmlns:a14="http://schemas.microsoft.com/office/drawing/2010/main" val="0"/>
-                </a:ext>
-              </a:extLst>
-            </a:blip>
-            <a:srcRect l="69674" t="56699" r="24464" b="31075"/>
-            <a:stretch/>
-          </p:blipFill>
-          <p:spPr>
-            <a:xfrm>
-              <a:off x="7973428" y="3538314"/>
-              <a:ext cx="678132" cy="691271"/>
+              <a:off x="7195368" y="3796588"/>
+              <a:ext cx="550407" cy="618210"/>
             </a:xfrm>
             <a:prstGeom prst="rect">
               <a:avLst/>
@@ -4475,145 +5106,6 @@
           </p:spPr>
         </p:pic>
       </p:grpSp>
-      <p:sp>
-        <p:nvSpPr>
-          <p:cNvPr id="14" name="TextBox 13"/>
-          <p:cNvSpPr txBox="1"/>
-          <p:nvPr/>
-        </p:nvSpPr>
-        <p:spPr>
-          <a:xfrm>
-            <a:off x="575090" y="4529393"/>
-            <a:ext cx="1436612" cy="784830"/>
-          </a:xfrm>
-          <a:prstGeom prst="rect">
-            <a:avLst/>
-          </a:prstGeom>
-          <a:solidFill>
-            <a:schemeClr val="bg1"/>
-          </a:solidFill>
-        </p:spPr>
-        <p:txBody>
-          <a:bodyPr wrap="none" rtlCol="0">
-            <a:spAutoFit/>
-          </a:bodyPr>
-          <a:lstStyle/>
-          <a:p>
-            <a:endParaRPr lang="en-US" sz="900" dirty="0" smtClean="0">
-              <a:latin typeface="DejaVu Sans" panose="020B0603030804020204" pitchFamily="34" charset="0"/>
-              <a:ea typeface="DejaVu Sans" panose="020B0603030804020204" pitchFamily="34" charset="0"/>
-              <a:cs typeface="DejaVu Sans" panose="020B0603030804020204" pitchFamily="34" charset="0"/>
-            </a:endParaRPr>
-          </a:p>
-          <a:p>
-            <a:r>
-              <a:rPr lang="en-US" sz="900" dirty="0" smtClean="0">
-                <a:latin typeface="DejaVu Sans" panose="020B0603030804020204" pitchFamily="34" charset="0"/>
-                <a:ea typeface="DejaVu Sans" panose="020B0603030804020204" pitchFamily="34" charset="0"/>
-                <a:cs typeface="DejaVu Sans" panose="020B0603030804020204" pitchFamily="34" charset="0"/>
-              </a:rPr>
-              <a:t>Landing method:</a:t>
-            </a:r>
-          </a:p>
-          <a:p>
-            <a:r>
-              <a:rPr lang="en-US" sz="900" dirty="0" err="1" smtClean="0">
-                <a:latin typeface="DejaVu Sans" panose="020B0603030804020204" pitchFamily="34" charset="0"/>
-                <a:ea typeface="DejaVu Sans" panose="020B0603030804020204" pitchFamily="34" charset="0"/>
-                <a:cs typeface="DejaVu Sans" panose="020B0603030804020204" pitchFamily="34" charset="0"/>
-              </a:rPr>
-              <a:t>Recov</a:t>
-            </a:r>
-            <a:r>
-              <a:rPr lang="en-US" sz="900" dirty="0" smtClean="0">
-                <a:latin typeface="DejaVu Sans" panose="020B0603030804020204" pitchFamily="34" charset="0"/>
-                <a:ea typeface="DejaVu Sans" panose="020B0603030804020204" pitchFamily="34" charset="0"/>
-                <a:cs typeface="DejaVu Sans" panose="020B0603030804020204" pitchFamily="34" charset="0"/>
-              </a:rPr>
-              <a:t>. prop. method:</a:t>
-            </a:r>
-          </a:p>
-          <a:p>
-            <a:r>
-              <a:rPr lang="en-US" sz="900" dirty="0" smtClean="0">
-                <a:latin typeface="DejaVu Sans" panose="020B0603030804020204" pitchFamily="34" charset="0"/>
-                <a:ea typeface="DejaVu Sans" panose="020B0603030804020204" pitchFamily="34" charset="0"/>
-                <a:cs typeface="DejaVu Sans" panose="020B0603030804020204" pitchFamily="34" charset="0"/>
-              </a:rPr>
-              <a:t>Portion </a:t>
-            </a:r>
-            <a:r>
-              <a:rPr lang="en-US" sz="900" dirty="0" err="1" smtClean="0">
-                <a:latin typeface="DejaVu Sans" panose="020B0603030804020204" pitchFamily="34" charset="0"/>
-                <a:ea typeface="DejaVu Sans" panose="020B0603030804020204" pitchFamily="34" charset="0"/>
-                <a:cs typeface="DejaVu Sans" panose="020B0603030804020204" pitchFamily="34" charset="0"/>
-              </a:rPr>
-              <a:t>recov’d</a:t>
-            </a:r>
-            <a:r>
-              <a:rPr lang="en-US" sz="900" dirty="0" smtClean="0">
-                <a:latin typeface="DejaVu Sans" panose="020B0603030804020204" pitchFamily="34" charset="0"/>
-                <a:ea typeface="DejaVu Sans" panose="020B0603030804020204" pitchFamily="34" charset="0"/>
-                <a:cs typeface="DejaVu Sans" panose="020B0603030804020204" pitchFamily="34" charset="0"/>
-              </a:rPr>
-              <a:t>:</a:t>
-            </a:r>
-          </a:p>
-          <a:p>
-            <a:endParaRPr lang="en-US" sz="900" dirty="0">
-              <a:latin typeface="DejaVu Sans" panose="020B0603030804020204" pitchFamily="34" charset="0"/>
-              <a:ea typeface="DejaVu Sans" panose="020B0603030804020204" pitchFamily="34" charset="0"/>
-              <a:cs typeface="DejaVu Sans" panose="020B0603030804020204" pitchFamily="34" charset="0"/>
-            </a:endParaRPr>
-          </a:p>
-        </p:txBody>
-      </p:sp>
-      <p:sp>
-        <p:nvSpPr>
-          <p:cNvPr id="15" name="TextBox 14"/>
-          <p:cNvSpPr txBox="1"/>
-          <p:nvPr/>
-        </p:nvSpPr>
-        <p:spPr>
-          <a:xfrm>
-            <a:off x="947458" y="4267685"/>
-            <a:ext cx="1015021" cy="261610"/>
-          </a:xfrm>
-          <a:prstGeom prst="rect">
-            <a:avLst/>
-          </a:prstGeom>
-          <a:noFill/>
-        </p:spPr>
-        <p:txBody>
-          <a:bodyPr wrap="none" rtlCol="0">
-            <a:spAutoFit/>
-          </a:bodyPr>
-          <a:lstStyle/>
-          <a:p>
-            <a:r>
-              <a:rPr lang="en-US" sz="1100" dirty="0">
-                <a:latin typeface="DejaVu Sans" panose="020B0603030804020204" pitchFamily="34" charset="0"/>
-                <a:ea typeface="DejaVu Sans" panose="020B0603030804020204" pitchFamily="34" charset="0"/>
-                <a:cs typeface="DejaVu Sans" panose="020B0603030804020204" pitchFamily="34" charset="0"/>
-              </a:rPr>
-              <a:t>E</a:t>
-            </a:r>
-            <a:r>
-              <a:rPr lang="en-US" sz="1100" dirty="0" smtClean="0">
-                <a:latin typeface="DejaVu Sans" panose="020B0603030804020204" pitchFamily="34" charset="0"/>
-                <a:ea typeface="DejaVu Sans" panose="020B0603030804020204" pitchFamily="34" charset="0"/>
-                <a:cs typeface="DejaVu Sans" panose="020B0603030804020204" pitchFamily="34" charset="0"/>
-              </a:rPr>
-              <a:t>xpendable</a:t>
-            </a:r>
-            <a:endParaRPr lang="en-US" sz="1100" dirty="0">
-              <a:latin typeface="DejaVu Sans" panose="020B0603030804020204" pitchFamily="34" charset="0"/>
-              <a:ea typeface="DejaVu Sans" panose="020B0603030804020204" pitchFamily="34" charset="0"/>
-              <a:cs typeface="DejaVu Sans" panose="020B0603030804020204" pitchFamily="34" charset="0"/>
-            </a:endParaRPr>
-          </a:p>
-        </p:txBody>
-      </p:sp>
     </p:spTree>
     <p:extLst>
       <p:ext uri="{BB962C8B-B14F-4D97-AF65-F5344CB8AC3E}">
